--- a/initial_prep_check.pptx
+++ b/initial_prep_check.pptx
@@ -4,6 +4,9 @@
   <p:sldMasterIdLst>
     <p:sldMasterId id="2147483673" r:id="rId1"/>
   </p:sldMasterIdLst>
+  <p:notesMasterIdLst>
+    <p:notesMasterId r:id="rId6"/>
+  </p:notesMasterIdLst>
   <p:sldIdLst>
     <p:sldId id="256" r:id="rId2"/>
     <p:sldId id="257" r:id="rId3"/>
@@ -107,7 +110,661 @@
       </a:defRPr>
     </a:lvl9pPr>
   </p:defaultTextStyle>
+  <p:extLst>
+    <p:ext uri="{EFAFB233-063F-42B5-8137-9DF3F51BA10A}">
+      <p15:sldGuideLst xmlns:p15="http://schemas.microsoft.com/office/powerpoint/2012/main"/>
+    </p:ext>
+  </p:extLst>
 </p:presentation>
+</file>
+
+<file path=ppt/notesMasters/notesMaster1.xml><?xml version="1.0" encoding="utf-8"?>
+<p:notesMaster xmlns:a="http://schemas.openxmlformats.org/drawingml/2006/main" xmlns:r="http://schemas.openxmlformats.org/officeDocument/2006/relationships" xmlns:p="http://schemas.openxmlformats.org/presentationml/2006/main">
+  <p:cSld>
+    <p:bg>
+      <p:bgRef idx="1001">
+        <a:schemeClr val="bg1"/>
+      </p:bgRef>
+    </p:bg>
+    <p:spTree>
+      <p:nvGrpSpPr>
+        <p:cNvPr id="1" name=""/>
+        <p:cNvGrpSpPr/>
+        <p:nvPr/>
+      </p:nvGrpSpPr>
+      <p:grpSpPr>
+        <a:xfrm>
+          <a:off x="0" y="0"/>
+          <a:ext cx="0" cy="0"/>
+          <a:chOff x="0" y="0"/>
+          <a:chExt cx="0" cy="0"/>
+        </a:xfrm>
+      </p:grpSpPr>
+      <p:sp>
+        <p:nvSpPr>
+          <p:cNvPr id="2" name="Header Placeholder 1"/>
+          <p:cNvSpPr>
+            <a:spLocks noGrp="1"/>
+          </p:cNvSpPr>
+          <p:nvPr>
+            <p:ph type="hdr" sz="quarter"/>
+          </p:nvPr>
+        </p:nvSpPr>
+        <p:spPr>
+          <a:xfrm>
+            <a:off x="0" y="0"/>
+            <a:ext cx="2971800" cy="458788"/>
+          </a:xfrm>
+          <a:prstGeom prst="rect">
+            <a:avLst/>
+          </a:prstGeom>
+        </p:spPr>
+        <p:txBody>
+          <a:bodyPr vert="horz" lIns="91440" tIns="45720" rIns="91440" bIns="45720" rtlCol="0"/>
+          <a:lstStyle>
+            <a:lvl1pPr algn="l">
+              <a:defRPr sz="1200"/>
+            </a:lvl1pPr>
+          </a:lstStyle>
+          <a:p>
+            <a:endParaRPr lang="en-US"/>
+          </a:p>
+        </p:txBody>
+      </p:sp>
+      <p:sp>
+        <p:nvSpPr>
+          <p:cNvPr id="3" name="Date Placeholder 2"/>
+          <p:cNvSpPr>
+            <a:spLocks noGrp="1"/>
+          </p:cNvSpPr>
+          <p:nvPr>
+            <p:ph type="dt" idx="1"/>
+          </p:nvPr>
+        </p:nvSpPr>
+        <p:spPr>
+          <a:xfrm>
+            <a:off x="3884613" y="0"/>
+            <a:ext cx="2971800" cy="458788"/>
+          </a:xfrm>
+          <a:prstGeom prst="rect">
+            <a:avLst/>
+          </a:prstGeom>
+        </p:spPr>
+        <p:txBody>
+          <a:bodyPr vert="horz" lIns="91440" tIns="45720" rIns="91440" bIns="45720" rtlCol="0"/>
+          <a:lstStyle>
+            <a:lvl1pPr algn="r">
+              <a:defRPr sz="1200"/>
+            </a:lvl1pPr>
+          </a:lstStyle>
+          <a:p>
+            <a:fld id="{7F481CCD-38EE-4FF5-BF2D-C46386FC3603}" type="datetimeFigureOut">
+              <a:rPr lang="en-US" smtClean="0"/>
+              <a:t>10/18/2020</a:t>
+            </a:fld>
+            <a:endParaRPr lang="en-US"/>
+          </a:p>
+        </p:txBody>
+      </p:sp>
+      <p:sp>
+        <p:nvSpPr>
+          <p:cNvPr id="4" name="Slide Image Placeholder 3"/>
+          <p:cNvSpPr>
+            <a:spLocks noGrp="1" noRot="1" noChangeAspect="1"/>
+          </p:cNvSpPr>
+          <p:nvPr>
+            <p:ph type="sldImg" idx="2"/>
+          </p:nvPr>
+        </p:nvSpPr>
+        <p:spPr>
+          <a:xfrm>
+            <a:off x="685800" y="1143000"/>
+            <a:ext cx="5486400" cy="3086100"/>
+          </a:xfrm>
+          <a:prstGeom prst="rect">
+            <a:avLst/>
+          </a:prstGeom>
+          <a:noFill/>
+          <a:ln w="12700">
+            <a:solidFill>
+              <a:prstClr val="black"/>
+            </a:solidFill>
+          </a:ln>
+        </p:spPr>
+        <p:txBody>
+          <a:bodyPr vert="horz" lIns="91440" tIns="45720" rIns="91440" bIns="45720" rtlCol="0" anchor="ctr"/>
+          <a:lstStyle/>
+          <a:p>
+            <a:endParaRPr lang="en-US"/>
+          </a:p>
+        </p:txBody>
+      </p:sp>
+      <p:sp>
+        <p:nvSpPr>
+          <p:cNvPr id="5" name="Notes Placeholder 4"/>
+          <p:cNvSpPr>
+            <a:spLocks noGrp="1"/>
+          </p:cNvSpPr>
+          <p:nvPr>
+            <p:ph type="body" sz="quarter" idx="3"/>
+          </p:nvPr>
+        </p:nvSpPr>
+        <p:spPr>
+          <a:xfrm>
+            <a:off x="685800" y="4400550"/>
+            <a:ext cx="5486400" cy="3600450"/>
+          </a:xfrm>
+          <a:prstGeom prst="rect">
+            <a:avLst/>
+          </a:prstGeom>
+        </p:spPr>
+        <p:txBody>
+          <a:bodyPr vert="horz" lIns="91440" tIns="45720" rIns="91440" bIns="45720" rtlCol="0"/>
+          <a:lstStyle/>
+          <a:p>
+            <a:pPr lvl="0"/>
+            <a:r>
+              <a:rPr lang="en-US" smtClean="0"/>
+              <a:t>Click to edit Master text styles</a:t>
+            </a:r>
+          </a:p>
+          <a:p>
+            <a:pPr lvl="1"/>
+            <a:r>
+              <a:rPr lang="en-US" smtClean="0"/>
+              <a:t>Second level</a:t>
+            </a:r>
+          </a:p>
+          <a:p>
+            <a:pPr lvl="2"/>
+            <a:r>
+              <a:rPr lang="en-US" smtClean="0"/>
+              <a:t>Third level</a:t>
+            </a:r>
+          </a:p>
+          <a:p>
+            <a:pPr lvl="3"/>
+            <a:r>
+              <a:rPr lang="en-US" smtClean="0"/>
+              <a:t>Fourth level</a:t>
+            </a:r>
+          </a:p>
+          <a:p>
+            <a:pPr lvl="4"/>
+            <a:r>
+              <a:rPr lang="en-US" smtClean="0"/>
+              <a:t>Fifth level</a:t>
+            </a:r>
+            <a:endParaRPr lang="en-US"/>
+          </a:p>
+        </p:txBody>
+      </p:sp>
+      <p:sp>
+        <p:nvSpPr>
+          <p:cNvPr id="6" name="Footer Placeholder 5"/>
+          <p:cNvSpPr>
+            <a:spLocks noGrp="1"/>
+          </p:cNvSpPr>
+          <p:nvPr>
+            <p:ph type="ftr" sz="quarter" idx="4"/>
+          </p:nvPr>
+        </p:nvSpPr>
+        <p:spPr>
+          <a:xfrm>
+            <a:off x="0" y="8685213"/>
+            <a:ext cx="2971800" cy="458787"/>
+          </a:xfrm>
+          <a:prstGeom prst="rect">
+            <a:avLst/>
+          </a:prstGeom>
+        </p:spPr>
+        <p:txBody>
+          <a:bodyPr vert="horz" lIns="91440" tIns="45720" rIns="91440" bIns="45720" rtlCol="0" anchor="b"/>
+          <a:lstStyle>
+            <a:lvl1pPr algn="l">
+              <a:defRPr sz="1200"/>
+            </a:lvl1pPr>
+          </a:lstStyle>
+          <a:p>
+            <a:endParaRPr lang="en-US"/>
+          </a:p>
+        </p:txBody>
+      </p:sp>
+      <p:sp>
+        <p:nvSpPr>
+          <p:cNvPr id="7" name="Slide Number Placeholder 6"/>
+          <p:cNvSpPr>
+            <a:spLocks noGrp="1"/>
+          </p:cNvSpPr>
+          <p:nvPr>
+            <p:ph type="sldNum" sz="quarter" idx="5"/>
+          </p:nvPr>
+        </p:nvSpPr>
+        <p:spPr>
+          <a:xfrm>
+            <a:off x="3884613" y="8685213"/>
+            <a:ext cx="2971800" cy="458787"/>
+          </a:xfrm>
+          <a:prstGeom prst="rect">
+            <a:avLst/>
+          </a:prstGeom>
+        </p:spPr>
+        <p:txBody>
+          <a:bodyPr vert="horz" lIns="91440" tIns="45720" rIns="91440" bIns="45720" rtlCol="0" anchor="b"/>
+          <a:lstStyle>
+            <a:lvl1pPr algn="r">
+              <a:defRPr sz="1200"/>
+            </a:lvl1pPr>
+          </a:lstStyle>
+          <a:p>
+            <a:fld id="{B2E73444-7105-45EE-91B8-AA1D264C8EE6}" type="slidenum">
+              <a:rPr lang="en-US" smtClean="0"/>
+              <a:t>‹#›</a:t>
+            </a:fld>
+            <a:endParaRPr lang="en-US"/>
+          </a:p>
+        </p:txBody>
+      </p:sp>
+    </p:spTree>
+    <p:extLst>
+      <p:ext uri="{BB962C8B-B14F-4D97-AF65-F5344CB8AC3E}">
+        <p14:creationId xmlns:p14="http://schemas.microsoft.com/office/powerpoint/2010/main" val="3729498793"/>
+      </p:ext>
+    </p:extLst>
+  </p:cSld>
+  <p:clrMap bg1="lt1" tx1="dk1" bg2="lt2" tx2="dk2" accent1="accent1" accent2="accent2" accent3="accent3" accent4="accent4" accent5="accent5" accent6="accent6" hlink="hlink" folHlink="folHlink"/>
+  <p:notesStyle>
+    <a:lvl1pPr marL="0" algn="l" defTabSz="914400" rtl="0" eaLnBrk="1" latinLnBrk="0" hangingPunct="1">
+      <a:defRPr sz="1200" kern="1200">
+        <a:solidFill>
+          <a:schemeClr val="tx1"/>
+        </a:solidFill>
+        <a:latin typeface="+mn-lt"/>
+        <a:ea typeface="+mn-ea"/>
+        <a:cs typeface="+mn-cs"/>
+      </a:defRPr>
+    </a:lvl1pPr>
+    <a:lvl2pPr marL="457200" algn="l" defTabSz="914400" rtl="0" eaLnBrk="1" latinLnBrk="0" hangingPunct="1">
+      <a:defRPr sz="1200" kern="1200">
+        <a:solidFill>
+          <a:schemeClr val="tx1"/>
+        </a:solidFill>
+        <a:latin typeface="+mn-lt"/>
+        <a:ea typeface="+mn-ea"/>
+        <a:cs typeface="+mn-cs"/>
+      </a:defRPr>
+    </a:lvl2pPr>
+    <a:lvl3pPr marL="914400" algn="l" defTabSz="914400" rtl="0" eaLnBrk="1" latinLnBrk="0" hangingPunct="1">
+      <a:defRPr sz="1200" kern="1200">
+        <a:solidFill>
+          <a:schemeClr val="tx1"/>
+        </a:solidFill>
+        <a:latin typeface="+mn-lt"/>
+        <a:ea typeface="+mn-ea"/>
+        <a:cs typeface="+mn-cs"/>
+      </a:defRPr>
+    </a:lvl3pPr>
+    <a:lvl4pPr marL="1371600" algn="l" defTabSz="914400" rtl="0" eaLnBrk="1" latinLnBrk="0" hangingPunct="1">
+      <a:defRPr sz="1200" kern="1200">
+        <a:solidFill>
+          <a:schemeClr val="tx1"/>
+        </a:solidFill>
+        <a:latin typeface="+mn-lt"/>
+        <a:ea typeface="+mn-ea"/>
+        <a:cs typeface="+mn-cs"/>
+      </a:defRPr>
+    </a:lvl4pPr>
+    <a:lvl5pPr marL="1828800" algn="l" defTabSz="914400" rtl="0" eaLnBrk="1" latinLnBrk="0" hangingPunct="1">
+      <a:defRPr sz="1200" kern="1200">
+        <a:solidFill>
+          <a:schemeClr val="tx1"/>
+        </a:solidFill>
+        <a:latin typeface="+mn-lt"/>
+        <a:ea typeface="+mn-ea"/>
+        <a:cs typeface="+mn-cs"/>
+      </a:defRPr>
+    </a:lvl5pPr>
+    <a:lvl6pPr marL="2286000" algn="l" defTabSz="914400" rtl="0" eaLnBrk="1" latinLnBrk="0" hangingPunct="1">
+      <a:defRPr sz="1200" kern="1200">
+        <a:solidFill>
+          <a:schemeClr val="tx1"/>
+        </a:solidFill>
+        <a:latin typeface="+mn-lt"/>
+        <a:ea typeface="+mn-ea"/>
+        <a:cs typeface="+mn-cs"/>
+      </a:defRPr>
+    </a:lvl6pPr>
+    <a:lvl7pPr marL="2743200" algn="l" defTabSz="914400" rtl="0" eaLnBrk="1" latinLnBrk="0" hangingPunct="1">
+      <a:defRPr sz="1200" kern="1200">
+        <a:solidFill>
+          <a:schemeClr val="tx1"/>
+        </a:solidFill>
+        <a:latin typeface="+mn-lt"/>
+        <a:ea typeface="+mn-ea"/>
+        <a:cs typeface="+mn-cs"/>
+      </a:defRPr>
+    </a:lvl7pPr>
+    <a:lvl8pPr marL="3200400" algn="l" defTabSz="914400" rtl="0" eaLnBrk="1" latinLnBrk="0" hangingPunct="1">
+      <a:defRPr sz="1200" kern="1200">
+        <a:solidFill>
+          <a:schemeClr val="tx1"/>
+        </a:solidFill>
+        <a:latin typeface="+mn-lt"/>
+        <a:ea typeface="+mn-ea"/>
+        <a:cs typeface="+mn-cs"/>
+      </a:defRPr>
+    </a:lvl8pPr>
+    <a:lvl9pPr marL="3657600" algn="l" defTabSz="914400" rtl="0" eaLnBrk="1" latinLnBrk="0" hangingPunct="1">
+      <a:defRPr sz="1200" kern="1200">
+        <a:solidFill>
+          <a:schemeClr val="tx1"/>
+        </a:solidFill>
+        <a:latin typeface="+mn-lt"/>
+        <a:ea typeface="+mn-ea"/>
+        <a:cs typeface="+mn-cs"/>
+      </a:defRPr>
+    </a:lvl9pPr>
+  </p:notesStyle>
+</p:notesMaster>
+</file>
+
+<file path=ppt/notesSlides/notesSlide1.xml><?xml version="1.0" encoding="utf-8"?>
+<p:notes xmlns:a="http://schemas.openxmlformats.org/drawingml/2006/main" xmlns:r="http://schemas.openxmlformats.org/officeDocument/2006/relationships" xmlns:p="http://schemas.openxmlformats.org/presentationml/2006/main">
+  <p:cSld>
+    <p:spTree>
+      <p:nvGrpSpPr>
+        <p:cNvPr id="1" name=""/>
+        <p:cNvGrpSpPr/>
+        <p:nvPr/>
+      </p:nvGrpSpPr>
+      <p:grpSpPr>
+        <a:xfrm>
+          <a:off x="0" y="0"/>
+          <a:ext cx="0" cy="0"/>
+          <a:chOff x="0" y="0"/>
+          <a:chExt cx="0" cy="0"/>
+        </a:xfrm>
+      </p:grpSpPr>
+      <p:sp>
+        <p:nvSpPr>
+          <p:cNvPr id="2" name="Slide Image Placeholder 1"/>
+          <p:cNvSpPr>
+            <a:spLocks noGrp="1" noRot="1" noChangeAspect="1"/>
+          </p:cNvSpPr>
+          <p:nvPr>
+            <p:ph type="sldImg"/>
+          </p:nvPr>
+        </p:nvSpPr>
+        <p:spPr/>
+      </p:sp>
+      <p:sp>
+        <p:nvSpPr>
+          <p:cNvPr id="3" name="Notes Placeholder 2"/>
+          <p:cNvSpPr>
+            <a:spLocks noGrp="1"/>
+          </p:cNvSpPr>
+          <p:nvPr>
+            <p:ph type="body" idx="1"/>
+          </p:nvPr>
+        </p:nvSpPr>
+        <p:spPr/>
+        <p:txBody>
+          <a:bodyPr/>
+          <a:lstStyle/>
+          <a:p>
+            <a:pPr marL="285750" indent="-285750">
+              <a:lnSpc>
+                <a:spcPct val="130000"/>
+              </a:lnSpc>
+              <a:buFont typeface="Arial" panose="020B0604020202020204" pitchFamily="34" charset="0"/>
+              <a:buChar char="•"/>
+            </a:pPr>
+            <a:r>
+              <a:rPr lang="en-US" b="0" i="0" dirty="0" smtClean="0">
+                <a:effectLst/>
+                <a:latin typeface="Lato Extended"/>
+              </a:rPr>
+              <a:t>Academic Paper Search</a:t>
+            </a:r>
+          </a:p>
+          <a:p>
+            <a:pPr marL="742950" marR="0" lvl="1" indent="-285750" algn="l" defTabSz="914400" rtl="0" eaLnBrk="1" fontAlgn="auto" latinLnBrk="0" hangingPunct="1">
+              <a:lnSpc>
+                <a:spcPct val="130000"/>
+              </a:lnSpc>
+              <a:spcBef>
+                <a:spcPts val="0"/>
+              </a:spcBef>
+              <a:spcAft>
+                <a:spcPts val="0"/>
+              </a:spcAft>
+              <a:buClrTx/>
+              <a:buSzTx/>
+              <a:buFont typeface="Arial" panose="020B0604020202020204" pitchFamily="34" charset="0"/>
+              <a:buChar char="•"/>
+              <a:tabLst/>
+              <a:defRPr/>
+            </a:pPr>
+            <a:r>
+              <a:rPr lang="en-US" dirty="0" smtClean="0"/>
+              <a:t>improve relevancy of paper</a:t>
+            </a:r>
+            <a:r>
+              <a:rPr lang="en-US" baseline="0" dirty="0" smtClean="0"/>
+              <a:t> search</a:t>
+            </a:r>
+            <a:endParaRPr lang="en-US" b="0" i="0" dirty="0" smtClean="0">
+              <a:effectLst/>
+              <a:latin typeface="Lato Extended"/>
+            </a:endParaRPr>
+          </a:p>
+          <a:p>
+            <a:pPr marL="285750" indent="-285750">
+              <a:lnSpc>
+                <a:spcPct val="130000"/>
+              </a:lnSpc>
+              <a:buFont typeface="Arial" panose="020B0604020202020204" pitchFamily="34" charset="0"/>
+              <a:buChar char="•"/>
+            </a:pPr>
+            <a:r>
+              <a:rPr lang="en-US" dirty="0" smtClean="0">
+                <a:latin typeface="Lato Extended"/>
+              </a:rPr>
+              <a:t>Subject based tagging</a:t>
+            </a:r>
+          </a:p>
+          <a:p>
+            <a:pPr marL="742950" lvl="1" indent="-285750">
+              <a:lnSpc>
+                <a:spcPct val="130000"/>
+              </a:lnSpc>
+              <a:buFont typeface="Arial" panose="020B0604020202020204" pitchFamily="34" charset="0"/>
+              <a:buChar char="•"/>
+            </a:pPr>
+            <a:r>
+              <a:rPr lang="en-US" dirty="0" smtClean="0">
+                <a:latin typeface="Lato Extended"/>
+              </a:rPr>
+              <a:t>can use tags to help</a:t>
+            </a:r>
+          </a:p>
+          <a:p>
+            <a:pPr marL="742950" lvl="1" indent="-285750">
+              <a:lnSpc>
+                <a:spcPct val="130000"/>
+              </a:lnSpc>
+              <a:buFont typeface="Arial" panose="020B0604020202020204" pitchFamily="34" charset="0"/>
+              <a:buChar char="•"/>
+            </a:pPr>
+            <a:r>
+              <a:rPr lang="en-US" dirty="0" smtClean="0">
+                <a:latin typeface="Lato Extended"/>
+              </a:rPr>
+              <a:t>manual task</a:t>
+            </a:r>
+          </a:p>
+          <a:p>
+            <a:pPr marL="285750" indent="-285750">
+              <a:lnSpc>
+                <a:spcPct val="130000"/>
+              </a:lnSpc>
+              <a:buFont typeface="Arial" panose="020B0604020202020204" pitchFamily="34" charset="0"/>
+              <a:buChar char="•"/>
+            </a:pPr>
+            <a:r>
+              <a:rPr lang="en-US" dirty="0" smtClean="0">
+                <a:latin typeface="Lato Extended"/>
+              </a:rPr>
+              <a:t>Parsing system may be able to tag</a:t>
+            </a:r>
+          </a:p>
+          <a:p>
+            <a:pPr marL="285750" indent="-285750">
+              <a:lnSpc>
+                <a:spcPct val="130000"/>
+              </a:lnSpc>
+              <a:buFont typeface="Arial" panose="020B0604020202020204" pitchFamily="34" charset="0"/>
+              <a:buChar char="•"/>
+            </a:pPr>
+            <a:r>
+              <a:rPr lang="en-US" b="0" i="0" dirty="0" smtClean="0">
+                <a:effectLst/>
+                <a:latin typeface="Lato Extended"/>
+              </a:rPr>
+              <a:t>Requires implementation of course concepts</a:t>
+            </a:r>
+          </a:p>
+          <a:p>
+            <a:pPr marL="171450" indent="-171450">
+              <a:buFont typeface="Arial" panose="020B0604020202020204" pitchFamily="34" charset="0"/>
+              <a:buChar char="•"/>
+            </a:pPr>
+            <a:endParaRPr lang="en-US" dirty="0"/>
+          </a:p>
+        </p:txBody>
+      </p:sp>
+      <p:sp>
+        <p:nvSpPr>
+          <p:cNvPr id="4" name="Slide Number Placeholder 3"/>
+          <p:cNvSpPr>
+            <a:spLocks noGrp="1"/>
+          </p:cNvSpPr>
+          <p:nvPr>
+            <p:ph type="sldNum" sz="quarter" idx="10"/>
+          </p:nvPr>
+        </p:nvSpPr>
+        <p:spPr/>
+        <p:txBody>
+          <a:bodyPr/>
+          <a:lstStyle/>
+          <a:p>
+            <a:fld id="{B2E73444-7105-45EE-91B8-AA1D264C8EE6}" type="slidenum">
+              <a:rPr lang="en-US" smtClean="0"/>
+              <a:t>2</a:t>
+            </a:fld>
+            <a:endParaRPr lang="en-US"/>
+          </a:p>
+        </p:txBody>
+      </p:sp>
+    </p:spTree>
+    <p:extLst>
+      <p:ext uri="{BB962C8B-B14F-4D97-AF65-F5344CB8AC3E}">
+        <p14:creationId xmlns:p14="http://schemas.microsoft.com/office/powerpoint/2010/main" val="3763770301"/>
+      </p:ext>
+    </p:extLst>
+  </p:cSld>
+  <p:clrMapOvr>
+    <a:masterClrMapping/>
+  </p:clrMapOvr>
+</p:notes>
+</file>
+
+<file path=ppt/notesSlides/notesSlide2.xml><?xml version="1.0" encoding="utf-8"?>
+<p:notes xmlns:a="http://schemas.openxmlformats.org/drawingml/2006/main" xmlns:r="http://schemas.openxmlformats.org/officeDocument/2006/relationships" xmlns:p="http://schemas.openxmlformats.org/presentationml/2006/main">
+  <p:cSld>
+    <p:spTree>
+      <p:nvGrpSpPr>
+        <p:cNvPr id="1" name=""/>
+        <p:cNvGrpSpPr/>
+        <p:nvPr/>
+      </p:nvGrpSpPr>
+      <p:grpSpPr>
+        <a:xfrm>
+          <a:off x="0" y="0"/>
+          <a:ext cx="0" cy="0"/>
+          <a:chOff x="0" y="0"/>
+          <a:chExt cx="0" cy="0"/>
+        </a:xfrm>
+      </p:grpSpPr>
+      <p:sp>
+        <p:nvSpPr>
+          <p:cNvPr id="2" name="Slide Image Placeholder 1"/>
+          <p:cNvSpPr>
+            <a:spLocks noGrp="1" noRot="1" noChangeAspect="1"/>
+          </p:cNvSpPr>
+          <p:nvPr>
+            <p:ph type="sldImg"/>
+          </p:nvPr>
+        </p:nvSpPr>
+        <p:spPr/>
+      </p:sp>
+      <p:sp>
+        <p:nvSpPr>
+          <p:cNvPr id="3" name="Notes Placeholder 2"/>
+          <p:cNvSpPr>
+            <a:spLocks noGrp="1"/>
+          </p:cNvSpPr>
+          <p:nvPr>
+            <p:ph type="body" idx="1"/>
+          </p:nvPr>
+        </p:nvSpPr>
+        <p:spPr/>
+        <p:txBody>
+          <a:bodyPr/>
+          <a:lstStyle/>
+          <a:p>
+            <a:r>
+              <a:rPr lang="en-US" dirty="0" smtClean="0"/>
+              <a:t>update tags on docs, create new tags</a:t>
+            </a:r>
+            <a:endParaRPr lang="en-US" dirty="0"/>
+          </a:p>
+        </p:txBody>
+      </p:sp>
+      <p:sp>
+        <p:nvSpPr>
+          <p:cNvPr id="4" name="Slide Number Placeholder 3"/>
+          <p:cNvSpPr>
+            <a:spLocks noGrp="1"/>
+          </p:cNvSpPr>
+          <p:nvPr>
+            <p:ph type="sldNum" sz="quarter" idx="10"/>
+          </p:nvPr>
+        </p:nvSpPr>
+        <p:spPr/>
+        <p:txBody>
+          <a:bodyPr/>
+          <a:lstStyle/>
+          <a:p>
+            <a:fld id="{B2E73444-7105-45EE-91B8-AA1D264C8EE6}" type="slidenum">
+              <a:rPr lang="en-US" smtClean="0"/>
+              <a:t>3</a:t>
+            </a:fld>
+            <a:endParaRPr lang="en-US"/>
+          </a:p>
+        </p:txBody>
+      </p:sp>
+    </p:spTree>
+    <p:extLst>
+      <p:ext uri="{BB962C8B-B14F-4D97-AF65-F5344CB8AC3E}">
+        <p14:creationId xmlns:p14="http://schemas.microsoft.com/office/powerpoint/2010/main" val="2568579092"/>
+      </p:ext>
+    </p:extLst>
+  </p:cSld>
+  <p:clrMapOvr>
+    <a:masterClrMapping/>
+  </p:clrMapOvr>
+</p:notes>
 </file>
 
 <file path=ppt/slideLayouts/slideLayout1.xml><?xml version="1.0" encoding="utf-8"?>
@@ -132,7 +789,7 @@
           <p:cNvPr id="28" name="Freeform: Shape 27">
             <a:extLst>
               <a:ext uri="{FF2B5EF4-FFF2-40B4-BE49-F238E27FC236}">
-                <a16:creationId xmlns:a16="http://schemas.microsoft.com/office/drawing/2014/main" id="{9B0F7D69-D93C-4C38-A23D-76E000D691CD}"/>
+                <a16:creationId xmlns:a16="http://schemas.microsoft.com/office/drawing/2014/main" xmlns="" id="{9B0F7D69-D93C-4C38-A23D-76E000D691CD}"/>
               </a:ext>
             </a:extLst>
           </p:cNvPr>
@@ -390,7 +1047,7 @@
           <p:cNvPr id="10" name="Date Placeholder 9">
             <a:extLst>
               <a:ext uri="{FF2B5EF4-FFF2-40B4-BE49-F238E27FC236}">
-                <a16:creationId xmlns:a16="http://schemas.microsoft.com/office/drawing/2014/main" id="{123E5C65-E22A-4865-9449-10140D62B655}"/>
+                <a16:creationId xmlns:a16="http://schemas.microsoft.com/office/drawing/2014/main" xmlns="" id="{123E5C65-E22A-4865-9449-10140D62B655}"/>
               </a:ext>
             </a:extLst>
           </p:cNvPr>
@@ -417,7 +1074,7 @@
           <a:p>
             <a:fld id="{12241623-A064-4BED-B073-BA4D61433402}" type="datetime1">
               <a:rPr lang="en-US" smtClean="0"/>
-              <a:t>10/17/2020</a:t>
+              <a:t>10/18/2020</a:t>
             </a:fld>
             <a:endParaRPr lang="en-US" dirty="0"/>
           </a:p>
@@ -428,7 +1085,7 @@
           <p:cNvPr id="24" name="Footer Placeholder 23">
             <a:extLst>
               <a:ext uri="{FF2B5EF4-FFF2-40B4-BE49-F238E27FC236}">
-                <a16:creationId xmlns:a16="http://schemas.microsoft.com/office/drawing/2014/main" id="{EF9C3DE0-E7F5-4B4D-B5AF-CDE724CE79A3}"/>
+                <a16:creationId xmlns:a16="http://schemas.microsoft.com/office/drawing/2014/main" xmlns="" id="{EF9C3DE0-E7F5-4B4D-B5AF-CDE724CE79A3}"/>
               </a:ext>
             </a:extLst>
           </p:cNvPr>
@@ -458,7 +1115,7 @@
           <p:cNvPr id="25" name="Slide Number Placeholder 24">
             <a:extLst>
               <a:ext uri="{FF2B5EF4-FFF2-40B4-BE49-F238E27FC236}">
-                <a16:creationId xmlns:a16="http://schemas.microsoft.com/office/drawing/2014/main" id="{48C1E146-840A-4217-B63E-62E5CF8909C2}"/>
+                <a16:creationId xmlns:a16="http://schemas.microsoft.com/office/drawing/2014/main" xmlns="" id="{48C1E146-840A-4217-B63E-62E5CF8909C2}"/>
               </a:ext>
             </a:extLst>
           </p:cNvPr>
@@ -497,7 +1154,7 @@
           <p:cNvPr id="4" name="Freeform: Shape 3">
             <a:extLst>
               <a:ext uri="{FF2B5EF4-FFF2-40B4-BE49-F238E27FC236}">
-                <a16:creationId xmlns:a16="http://schemas.microsoft.com/office/drawing/2014/main" id="{8CD419D4-EA9D-42D9-BF62-B07F0B7B672B}"/>
+                <a16:creationId xmlns:a16="http://schemas.microsoft.com/office/drawing/2014/main" xmlns="" id="{8CD419D4-EA9D-42D9-BF62-B07F0B7B672B}"/>
               </a:ext>
             </a:extLst>
           </p:cNvPr>
@@ -699,7 +1356,7 @@
           <p:cNvPr id="5" name="Freeform: Shape 4">
             <a:extLst>
               <a:ext uri="{FF2B5EF4-FFF2-40B4-BE49-F238E27FC236}">
-                <a16:creationId xmlns:a16="http://schemas.microsoft.com/office/drawing/2014/main" id="{1C6FEC9B-9608-4181-A9E5-A1B80E72021C}"/>
+                <a16:creationId xmlns:a16="http://schemas.microsoft.com/office/drawing/2014/main" xmlns="" id="{1C6FEC9B-9608-4181-A9E5-A1B80E72021C}"/>
               </a:ext>
             </a:extLst>
           </p:cNvPr>
@@ -901,7 +1558,7 @@
           <p:cNvPr id="6" name="Freeform: Shape 5">
             <a:extLst>
               <a:ext uri="{FF2B5EF4-FFF2-40B4-BE49-F238E27FC236}">
-                <a16:creationId xmlns:a16="http://schemas.microsoft.com/office/drawing/2014/main" id="{AB1564ED-F26F-451D-97D6-A6EC3E83FD55}"/>
+                <a16:creationId xmlns:a16="http://schemas.microsoft.com/office/drawing/2014/main" xmlns="" id="{AB1564ED-F26F-451D-97D6-A6EC3E83FD55}"/>
               </a:ext>
             </a:extLst>
           </p:cNvPr>
@@ -1210,7 +1867,7 @@
           <p:cNvPr id="7" name="Date Placeholder 6">
             <a:extLst>
               <a:ext uri="{FF2B5EF4-FFF2-40B4-BE49-F238E27FC236}">
-                <a16:creationId xmlns:a16="http://schemas.microsoft.com/office/drawing/2014/main" id="{36397E4A-EB6A-4FA6-AA4F-69EA0C70FDC9}"/>
+                <a16:creationId xmlns:a16="http://schemas.microsoft.com/office/drawing/2014/main" xmlns="" id="{36397E4A-EB6A-4FA6-AA4F-69EA0C70FDC9}"/>
               </a:ext>
             </a:extLst>
           </p:cNvPr>
@@ -1228,7 +1885,7 @@
           <a:p>
             <a:fld id="{6F86ED0C-1DA7-41F0-94CF-6218B1FEDFF1}" type="datetime1">
               <a:rPr lang="en-US" smtClean="0"/>
-              <a:t>10/17/2020</a:t>
+              <a:t>10/18/2020</a:t>
             </a:fld>
             <a:endParaRPr lang="en-US" dirty="0"/>
           </a:p>
@@ -1239,7 +1896,7 @@
           <p:cNvPr id="8" name="Footer Placeholder 7">
             <a:extLst>
               <a:ext uri="{FF2B5EF4-FFF2-40B4-BE49-F238E27FC236}">
-                <a16:creationId xmlns:a16="http://schemas.microsoft.com/office/drawing/2014/main" id="{051A2F5D-7AC4-4F91-965A-7B6A45D6F414}"/>
+                <a16:creationId xmlns:a16="http://schemas.microsoft.com/office/drawing/2014/main" xmlns="" id="{051A2F5D-7AC4-4F91-965A-7B6A45D6F414}"/>
               </a:ext>
             </a:extLst>
           </p:cNvPr>
@@ -1264,7 +1921,7 @@
           <p:cNvPr id="9" name="Slide Number Placeholder 8">
             <a:extLst>
               <a:ext uri="{FF2B5EF4-FFF2-40B4-BE49-F238E27FC236}">
-                <a16:creationId xmlns:a16="http://schemas.microsoft.com/office/drawing/2014/main" id="{D26E8B86-CDB8-482F-9D9F-1BFDA3638B3E}"/>
+                <a16:creationId xmlns:a16="http://schemas.microsoft.com/office/drawing/2014/main" xmlns="" id="{D26E8B86-CDB8-482F-9D9F-1BFDA3638B3E}"/>
               </a:ext>
             </a:extLst>
           </p:cNvPr>
@@ -1427,7 +2084,7 @@
           <a:p>
             <a:fld id="{EECF02AB-6034-4B88-BC5A-7C17CB0EF809}" type="datetime1">
               <a:rPr lang="en-US" smtClean="0"/>
-              <a:t>10/17/2020</a:t>
+              <a:t>10/18/2020</a:t>
             </a:fld>
             <a:endParaRPr lang="en-US" dirty="0"/>
           </a:p>
@@ -1495,7 +2152,7 @@
           <p:cNvPr id="7" name="Straight Connector 6" title="Rule Line">
             <a:extLst>
               <a:ext uri="{FF2B5EF4-FFF2-40B4-BE49-F238E27FC236}">
-                <a16:creationId xmlns:a16="http://schemas.microsoft.com/office/drawing/2014/main" id="{A1005B08-D2D4-455C-AA62-1200E43E7AF9}"/>
+                <a16:creationId xmlns:a16="http://schemas.microsoft.com/office/drawing/2014/main" xmlns="" id="{A1005B08-D2D4-455C-AA62-1200E43E7AF9}"/>
               </a:ext>
             </a:extLst>
           </p:cNvPr>
@@ -1644,7 +2301,7 @@
           <p:cNvPr id="10" name="Date Placeholder 9">
             <a:extLst>
               <a:ext uri="{FF2B5EF4-FFF2-40B4-BE49-F238E27FC236}">
-                <a16:creationId xmlns:a16="http://schemas.microsoft.com/office/drawing/2014/main" id="{6923EF53-7767-4C94-BEF6-D452927945DA}"/>
+                <a16:creationId xmlns:a16="http://schemas.microsoft.com/office/drawing/2014/main" xmlns="" id="{6923EF53-7767-4C94-BEF6-D452927945DA}"/>
               </a:ext>
             </a:extLst>
           </p:cNvPr>
@@ -1662,7 +2319,7 @@
           <a:p>
             <a:fld id="{22F3E5F3-28EE-488F-BD53-B744C06C3DEC}" type="datetime1">
               <a:rPr lang="en-US" smtClean="0"/>
-              <a:t>10/17/2020</a:t>
+              <a:t>10/18/2020</a:t>
             </a:fld>
             <a:endParaRPr lang="en-US" dirty="0"/>
           </a:p>
@@ -1673,7 +2330,7 @@
           <p:cNvPr id="11" name="Footer Placeholder 10">
             <a:extLst>
               <a:ext uri="{FF2B5EF4-FFF2-40B4-BE49-F238E27FC236}">
-                <a16:creationId xmlns:a16="http://schemas.microsoft.com/office/drawing/2014/main" id="{ACF12700-F905-4CFA-970C-C81E05A64D5B}"/>
+                <a16:creationId xmlns:a16="http://schemas.microsoft.com/office/drawing/2014/main" xmlns="" id="{ACF12700-F905-4CFA-970C-C81E05A64D5B}"/>
               </a:ext>
             </a:extLst>
           </p:cNvPr>
@@ -1698,7 +2355,7 @@
           <p:cNvPr id="12" name="Slide Number Placeholder 11">
             <a:extLst>
               <a:ext uri="{FF2B5EF4-FFF2-40B4-BE49-F238E27FC236}">
-                <a16:creationId xmlns:a16="http://schemas.microsoft.com/office/drawing/2014/main" id="{DA1B1EE2-BCA3-432B-A32D-B04C7F1DD93F}"/>
+                <a16:creationId xmlns:a16="http://schemas.microsoft.com/office/drawing/2014/main" xmlns="" id="{DA1B1EE2-BCA3-432B-A32D-B04C7F1DD93F}"/>
               </a:ext>
             </a:extLst>
           </p:cNvPr>
@@ -1759,7 +2416,7 @@
           <p:cNvPr id="7" name="Group 6">
             <a:extLst>
               <a:ext uri="{FF2B5EF4-FFF2-40B4-BE49-F238E27FC236}">
-                <a16:creationId xmlns:a16="http://schemas.microsoft.com/office/drawing/2014/main" id="{B84A89F5-6982-40AE-8108-88B93E85C8FF}"/>
+                <a16:creationId xmlns:a16="http://schemas.microsoft.com/office/drawing/2014/main" xmlns="" id="{B84A89F5-6982-40AE-8108-88B93E85C8FF}"/>
               </a:ext>
             </a:extLst>
           </p:cNvPr>
@@ -1779,7 +2436,7 @@
             <p:cNvPr id="49" name="Freeform: Shape 48">
               <a:extLst>
                 <a:ext uri="{FF2B5EF4-FFF2-40B4-BE49-F238E27FC236}">
-                  <a16:creationId xmlns:a16="http://schemas.microsoft.com/office/drawing/2014/main" id="{B80BED93-E30B-4492-A268-84C33CA4F067}"/>
+                  <a16:creationId xmlns:a16="http://schemas.microsoft.com/office/drawing/2014/main" xmlns="" id="{B80BED93-E30B-4492-A268-84C33CA4F067}"/>
                 </a:ext>
               </a:extLst>
             </p:cNvPr>
@@ -1999,7 +2656,7 @@
             <p:cNvPr id="50" name="Freeform: Shape 49">
               <a:extLst>
                 <a:ext uri="{FF2B5EF4-FFF2-40B4-BE49-F238E27FC236}">
-                  <a16:creationId xmlns:a16="http://schemas.microsoft.com/office/drawing/2014/main" id="{965F60C1-CD8B-4326-9B24-3D197CF382A6}"/>
+                  <a16:creationId xmlns:a16="http://schemas.microsoft.com/office/drawing/2014/main" xmlns="" id="{965F60C1-CD8B-4326-9B24-3D197CF382A6}"/>
                 </a:ext>
               </a:extLst>
             </p:cNvPr>
@@ -2219,7 +2876,7 @@
             <p:cNvPr id="51" name="Freeform: Shape 50">
               <a:extLst>
                 <a:ext uri="{FF2B5EF4-FFF2-40B4-BE49-F238E27FC236}">
-                  <a16:creationId xmlns:a16="http://schemas.microsoft.com/office/drawing/2014/main" id="{69511D06-104E-440E-8049-4CDCE4B87E96}"/>
+                  <a16:creationId xmlns:a16="http://schemas.microsoft.com/office/drawing/2014/main" xmlns="" id="{69511D06-104E-440E-8049-4CDCE4B87E96}"/>
                 </a:ext>
               </a:extLst>
             </p:cNvPr>
@@ -2427,7 +3084,7 @@
             <p:cNvPr id="52" name="Freeform: Shape 51">
               <a:extLst>
                 <a:ext uri="{FF2B5EF4-FFF2-40B4-BE49-F238E27FC236}">
-                  <a16:creationId xmlns:a16="http://schemas.microsoft.com/office/drawing/2014/main" id="{164F6B39-7B0A-4839-9F52-1FFA2044F248}"/>
+                  <a16:creationId xmlns:a16="http://schemas.microsoft.com/office/drawing/2014/main" xmlns="" id="{164F6B39-7B0A-4839-9F52-1FFA2044F248}"/>
                 </a:ext>
               </a:extLst>
             </p:cNvPr>
@@ -2636,7 +3293,7 @@
           <p:cNvPr id="8" name="Group 7">
             <a:extLst>
               <a:ext uri="{FF2B5EF4-FFF2-40B4-BE49-F238E27FC236}">
-                <a16:creationId xmlns:a16="http://schemas.microsoft.com/office/drawing/2014/main" id="{03099122-D80B-4389-A1CF-52C635217F4B}"/>
+                <a16:creationId xmlns:a16="http://schemas.microsoft.com/office/drawing/2014/main" xmlns="" id="{03099122-D80B-4389-A1CF-52C635217F4B}"/>
               </a:ext>
             </a:extLst>
           </p:cNvPr>
@@ -2656,7 +3313,7 @@
             <p:cNvPr id="54" name="Freeform: Shape 53">
               <a:extLst>
                 <a:ext uri="{FF2B5EF4-FFF2-40B4-BE49-F238E27FC236}">
-                  <a16:creationId xmlns:a16="http://schemas.microsoft.com/office/drawing/2014/main" id="{CA535D59-CDAA-4AA9-84AC-A6142E857FE2}"/>
+                  <a16:creationId xmlns:a16="http://schemas.microsoft.com/office/drawing/2014/main" xmlns="" id="{CA535D59-CDAA-4AA9-84AC-A6142E857FE2}"/>
                 </a:ext>
               </a:extLst>
             </p:cNvPr>
@@ -2842,7 +3499,7 @@
             <p:cNvPr id="55" name="Freeform: Shape 54">
               <a:extLst>
                 <a:ext uri="{FF2B5EF4-FFF2-40B4-BE49-F238E27FC236}">
-                  <a16:creationId xmlns:a16="http://schemas.microsoft.com/office/drawing/2014/main" id="{CD6948CC-6D51-4092-887C-B0664DC102C7}"/>
+                  <a16:creationId xmlns:a16="http://schemas.microsoft.com/office/drawing/2014/main" xmlns="" id="{CD6948CC-6D51-4092-887C-B0664DC102C7}"/>
                 </a:ext>
               </a:extLst>
             </p:cNvPr>
@@ -3009,7 +3666,7 @@
             <p:cNvPr id="56" name="Freeform: Shape 55">
               <a:extLst>
                 <a:ext uri="{FF2B5EF4-FFF2-40B4-BE49-F238E27FC236}">
-                  <a16:creationId xmlns:a16="http://schemas.microsoft.com/office/drawing/2014/main" id="{F5F9FD94-99CC-42AD-8E66-CF99E8FD5A94}"/>
+                  <a16:creationId xmlns:a16="http://schemas.microsoft.com/office/drawing/2014/main" xmlns="" id="{F5F9FD94-99CC-42AD-8E66-CF99E8FD5A94}"/>
                 </a:ext>
               </a:extLst>
             </p:cNvPr>
@@ -3204,7 +3861,7 @@
             <p:cNvPr id="57" name="Freeform: Shape 56">
               <a:extLst>
                 <a:ext uri="{FF2B5EF4-FFF2-40B4-BE49-F238E27FC236}">
-                  <a16:creationId xmlns:a16="http://schemas.microsoft.com/office/drawing/2014/main" id="{F47D3E70-A759-410D-B5DB-855218E138C3}"/>
+                  <a16:creationId xmlns:a16="http://schemas.microsoft.com/office/drawing/2014/main" xmlns="" id="{F47D3E70-A759-410D-B5DB-855218E138C3}"/>
                 </a:ext>
               </a:extLst>
             </p:cNvPr>
@@ -3362,7 +4019,7 @@
           <p:cNvPr id="9" name="Group 8">
             <a:extLst>
               <a:ext uri="{FF2B5EF4-FFF2-40B4-BE49-F238E27FC236}">
-                <a16:creationId xmlns:a16="http://schemas.microsoft.com/office/drawing/2014/main" id="{90302A25-2D4F-4AD5-B0E9-C12184C3599E}"/>
+                <a16:creationId xmlns:a16="http://schemas.microsoft.com/office/drawing/2014/main" xmlns="" id="{90302A25-2D4F-4AD5-B0E9-C12184C3599E}"/>
               </a:ext>
             </a:extLst>
           </p:cNvPr>
@@ -3382,7 +4039,7 @@
             <p:cNvPr id="59" name="Freeform: Shape 58">
               <a:extLst>
                 <a:ext uri="{FF2B5EF4-FFF2-40B4-BE49-F238E27FC236}">
-                  <a16:creationId xmlns:a16="http://schemas.microsoft.com/office/drawing/2014/main" id="{E227AF03-773A-4B1E-8FED-67198038E60D}"/>
+                  <a16:creationId xmlns:a16="http://schemas.microsoft.com/office/drawing/2014/main" xmlns="" id="{E227AF03-773A-4B1E-8FED-67198038E60D}"/>
                 </a:ext>
               </a:extLst>
             </p:cNvPr>
@@ -3558,7 +4215,7 @@
             <p:cNvPr id="60" name="Freeform: Shape 59">
               <a:extLst>
                 <a:ext uri="{FF2B5EF4-FFF2-40B4-BE49-F238E27FC236}">
-                  <a16:creationId xmlns:a16="http://schemas.microsoft.com/office/drawing/2014/main" id="{D6FE8FAD-8A4A-49E1-AFAF-A074482295A9}"/>
+                  <a16:creationId xmlns:a16="http://schemas.microsoft.com/office/drawing/2014/main" xmlns="" id="{D6FE8FAD-8A4A-49E1-AFAF-A074482295A9}"/>
                 </a:ext>
               </a:extLst>
             </p:cNvPr>
@@ -3732,7 +4389,7 @@
             <p:cNvPr id="61" name="Freeform: Shape 60">
               <a:extLst>
                 <a:ext uri="{FF2B5EF4-FFF2-40B4-BE49-F238E27FC236}">
-                  <a16:creationId xmlns:a16="http://schemas.microsoft.com/office/drawing/2014/main" id="{0A7C4DFB-FDFD-4F28-8B00-287EB75C79EB}"/>
+                  <a16:creationId xmlns:a16="http://schemas.microsoft.com/office/drawing/2014/main" xmlns="" id="{0A7C4DFB-FDFD-4F28-8B00-287EB75C79EB}"/>
                 </a:ext>
               </a:extLst>
             </p:cNvPr>
@@ -3918,7 +4575,7 @@
             <p:cNvPr id="62" name="Freeform: Shape 61">
               <a:extLst>
                 <a:ext uri="{FF2B5EF4-FFF2-40B4-BE49-F238E27FC236}">
-                  <a16:creationId xmlns:a16="http://schemas.microsoft.com/office/drawing/2014/main" id="{B6E867DF-0B62-429A-A554-CBE585048439}"/>
+                  <a16:creationId xmlns:a16="http://schemas.microsoft.com/office/drawing/2014/main" xmlns="" id="{B6E867DF-0B62-429A-A554-CBE585048439}"/>
                 </a:ext>
               </a:extLst>
             </p:cNvPr>
@@ -4139,7 +4796,7 @@
           <p:cNvPr id="23" name="Footer Placeholder 22">
             <a:extLst>
               <a:ext uri="{FF2B5EF4-FFF2-40B4-BE49-F238E27FC236}">
-                <a16:creationId xmlns:a16="http://schemas.microsoft.com/office/drawing/2014/main" id="{E197B67B-BA44-4D2A-B31D-35A89323C4B1}"/>
+                <a16:creationId xmlns:a16="http://schemas.microsoft.com/office/drawing/2014/main" xmlns="" id="{E197B67B-BA44-4D2A-B31D-35A89323C4B1}"/>
               </a:ext>
             </a:extLst>
           </p:cNvPr>
@@ -4169,7 +4826,7 @@
           <p:cNvPr id="27" name="Slide Number Placeholder 26">
             <a:extLst>
               <a:ext uri="{FF2B5EF4-FFF2-40B4-BE49-F238E27FC236}">
-                <a16:creationId xmlns:a16="http://schemas.microsoft.com/office/drawing/2014/main" id="{1D718595-24D3-4517-A62E-C1F493407AAE}"/>
+                <a16:creationId xmlns:a16="http://schemas.microsoft.com/office/drawing/2014/main" xmlns="" id="{1D718595-24D3-4517-A62E-C1F493407AAE}"/>
               </a:ext>
             </a:extLst>
           </p:cNvPr>
@@ -4328,7 +4985,7 @@
           <p:cNvPr id="18" name="Date Placeholder 17">
             <a:extLst>
               <a:ext uri="{FF2B5EF4-FFF2-40B4-BE49-F238E27FC236}">
-                <a16:creationId xmlns:a16="http://schemas.microsoft.com/office/drawing/2014/main" id="{3C6217BB-A228-414D-92D9-E1D1EFEB8BE6}"/>
+                <a16:creationId xmlns:a16="http://schemas.microsoft.com/office/drawing/2014/main" xmlns="" id="{3C6217BB-A228-414D-92D9-E1D1EFEB8BE6}"/>
               </a:ext>
             </a:extLst>
           </p:cNvPr>
@@ -4355,7 +5012,7 @@
           <a:p>
             <a:fld id="{E72EB70D-CD01-44DA-83B3-8FEB3383D307}" type="datetime1">
               <a:rPr lang="en-US" smtClean="0"/>
-              <a:t>10/17/2020</a:t>
+              <a:t>10/18/2020</a:t>
             </a:fld>
             <a:endParaRPr lang="en-US" dirty="0"/>
           </a:p>
@@ -4533,7 +5190,7 @@
           <p:cNvPr id="8" name="Date Placeholder 7">
             <a:extLst>
               <a:ext uri="{FF2B5EF4-FFF2-40B4-BE49-F238E27FC236}">
-                <a16:creationId xmlns:a16="http://schemas.microsoft.com/office/drawing/2014/main" id="{7C1D6427-F07F-4D50-B151-455100AF70FF}"/>
+                <a16:creationId xmlns:a16="http://schemas.microsoft.com/office/drawing/2014/main" xmlns="" id="{7C1D6427-F07F-4D50-B151-455100AF70FF}"/>
               </a:ext>
             </a:extLst>
           </p:cNvPr>
@@ -4551,7 +5208,7 @@
           <a:p>
             <a:fld id="{D0158CFD-9357-46BE-A189-D637A67C8730}" type="datetime1">
               <a:rPr lang="en-US" smtClean="0"/>
-              <a:t>10/17/2020</a:t>
+              <a:t>10/18/2020</a:t>
             </a:fld>
             <a:endParaRPr lang="en-US" dirty="0"/>
           </a:p>
@@ -4562,7 +5219,7 @@
           <p:cNvPr id="9" name="Footer Placeholder 8">
             <a:extLst>
               <a:ext uri="{FF2B5EF4-FFF2-40B4-BE49-F238E27FC236}">
-                <a16:creationId xmlns:a16="http://schemas.microsoft.com/office/drawing/2014/main" id="{479EFBB2-C5E0-4D57-AB1D-3AA907ECFD72}"/>
+                <a16:creationId xmlns:a16="http://schemas.microsoft.com/office/drawing/2014/main" xmlns="" id="{479EFBB2-C5E0-4D57-AB1D-3AA907ECFD72}"/>
               </a:ext>
             </a:extLst>
           </p:cNvPr>
@@ -4587,7 +5244,7 @@
           <p:cNvPr id="10" name="Slide Number Placeholder 9">
             <a:extLst>
               <a:ext uri="{FF2B5EF4-FFF2-40B4-BE49-F238E27FC236}">
-                <a16:creationId xmlns:a16="http://schemas.microsoft.com/office/drawing/2014/main" id="{7AE6B7E1-F60B-4D08-9052-423D6FBFAD64}"/>
+                <a16:creationId xmlns:a16="http://schemas.microsoft.com/office/drawing/2014/main" xmlns="" id="{7AE6B7E1-F60B-4D08-9052-423D6FBFAD64}"/>
               </a:ext>
             </a:extLst>
           </p:cNvPr>
@@ -4922,7 +5579,7 @@
           <p:cNvPr id="10" name="Date Placeholder 9">
             <a:extLst>
               <a:ext uri="{FF2B5EF4-FFF2-40B4-BE49-F238E27FC236}">
-                <a16:creationId xmlns:a16="http://schemas.microsoft.com/office/drawing/2014/main" id="{3771BF97-4D2A-43A4-8CDC-2250017EB045}"/>
+                <a16:creationId xmlns:a16="http://schemas.microsoft.com/office/drawing/2014/main" xmlns="" id="{3771BF97-4D2A-43A4-8CDC-2250017EB045}"/>
               </a:ext>
             </a:extLst>
           </p:cNvPr>
@@ -4940,7 +5597,7 @@
           <a:p>
             <a:fld id="{7B4742EE-B331-4632-BD10-A82FED6B6FC0}" type="datetime1">
               <a:rPr lang="en-US" smtClean="0"/>
-              <a:t>10/17/2020</a:t>
+              <a:t>10/18/2020</a:t>
             </a:fld>
             <a:endParaRPr lang="en-US" dirty="0"/>
           </a:p>
@@ -4951,7 +5608,7 @@
           <p:cNvPr id="11" name="Footer Placeholder 10">
             <a:extLst>
               <a:ext uri="{FF2B5EF4-FFF2-40B4-BE49-F238E27FC236}">
-                <a16:creationId xmlns:a16="http://schemas.microsoft.com/office/drawing/2014/main" id="{6020661A-DA07-4679-9226-945B5DD2480C}"/>
+                <a16:creationId xmlns:a16="http://schemas.microsoft.com/office/drawing/2014/main" xmlns="" id="{6020661A-DA07-4679-9226-945B5DD2480C}"/>
               </a:ext>
             </a:extLst>
           </p:cNvPr>
@@ -4976,7 +5633,7 @@
           <p:cNvPr id="12" name="Slide Number Placeholder 11">
             <a:extLst>
               <a:ext uri="{FF2B5EF4-FFF2-40B4-BE49-F238E27FC236}">
-                <a16:creationId xmlns:a16="http://schemas.microsoft.com/office/drawing/2014/main" id="{EEFCE38B-E087-4988-BC3A-FE3B55E70D7E}"/>
+                <a16:creationId xmlns:a16="http://schemas.microsoft.com/office/drawing/2014/main" xmlns="" id="{EEFCE38B-E087-4988-BC3A-FE3B55E70D7E}"/>
               </a:ext>
             </a:extLst>
           </p:cNvPr>
@@ -5007,7 +5664,7 @@
           <p:cNvPr id="13" name="Title 12">
             <a:extLst>
               <a:ext uri="{FF2B5EF4-FFF2-40B4-BE49-F238E27FC236}">
-                <a16:creationId xmlns:a16="http://schemas.microsoft.com/office/drawing/2014/main" id="{D3BC439C-E995-4E1F-8DE9-75C32785E00F}"/>
+                <a16:creationId xmlns:a16="http://schemas.microsoft.com/office/drawing/2014/main" xmlns="" id="{D3BC439C-E995-4E1F-8DE9-75C32785E00F}"/>
               </a:ext>
             </a:extLst>
           </p:cNvPr>
@@ -5088,7 +5745,7 @@
           <p:cNvPr id="6" name="Date Placeholder 5">
             <a:extLst>
               <a:ext uri="{FF2B5EF4-FFF2-40B4-BE49-F238E27FC236}">
-                <a16:creationId xmlns:a16="http://schemas.microsoft.com/office/drawing/2014/main" id="{CF30096C-3491-4EF2-ABB2-D57F3F4B5BD5}"/>
+                <a16:creationId xmlns:a16="http://schemas.microsoft.com/office/drawing/2014/main" xmlns="" id="{CF30096C-3491-4EF2-ABB2-D57F3F4B5BD5}"/>
               </a:ext>
             </a:extLst>
           </p:cNvPr>
@@ -5106,7 +5763,7 @@
           <a:p>
             <a:fld id="{451BA835-D13F-49F4-8F11-5D576AC65FAD}" type="datetime1">
               <a:rPr lang="en-US" smtClean="0"/>
-              <a:t>10/17/2020</a:t>
+              <a:t>10/18/2020</a:t>
             </a:fld>
             <a:endParaRPr lang="en-US" dirty="0"/>
           </a:p>
@@ -5117,7 +5774,7 @@
           <p:cNvPr id="7" name="Footer Placeholder 6">
             <a:extLst>
               <a:ext uri="{FF2B5EF4-FFF2-40B4-BE49-F238E27FC236}">
-                <a16:creationId xmlns:a16="http://schemas.microsoft.com/office/drawing/2014/main" id="{79DA3A85-7147-4F32-944A-B079AF5147E2}"/>
+                <a16:creationId xmlns:a16="http://schemas.microsoft.com/office/drawing/2014/main" xmlns="" id="{79DA3A85-7147-4F32-944A-B079AF5147E2}"/>
               </a:ext>
             </a:extLst>
           </p:cNvPr>
@@ -5142,7 +5799,7 @@
           <p:cNvPr id="8" name="Slide Number Placeholder 7">
             <a:extLst>
               <a:ext uri="{FF2B5EF4-FFF2-40B4-BE49-F238E27FC236}">
-                <a16:creationId xmlns:a16="http://schemas.microsoft.com/office/drawing/2014/main" id="{EEDDF50D-95C0-4DA2-BBC6-41774FAC1404}"/>
+                <a16:creationId xmlns:a16="http://schemas.microsoft.com/office/drawing/2014/main" xmlns="" id="{EEDDF50D-95C0-4DA2-BBC6-41774FAC1404}"/>
               </a:ext>
             </a:extLst>
           </p:cNvPr>
@@ -5211,7 +5868,7 @@
           <p:cNvPr id="5" name="Date Placeholder 4">
             <a:extLst>
               <a:ext uri="{FF2B5EF4-FFF2-40B4-BE49-F238E27FC236}">
-                <a16:creationId xmlns:a16="http://schemas.microsoft.com/office/drawing/2014/main" id="{209BEFCA-6D6F-4F26-823F-C86CA694B830}"/>
+                <a16:creationId xmlns:a16="http://schemas.microsoft.com/office/drawing/2014/main" xmlns="" id="{209BEFCA-6D6F-4F26-823F-C86CA694B830}"/>
               </a:ext>
             </a:extLst>
           </p:cNvPr>
@@ -5229,7 +5886,7 @@
           <a:p>
             <a:fld id="{ADBD1799-ACB5-4CB2-86A2-5C574F1C8706}" type="datetime1">
               <a:rPr lang="en-US" smtClean="0"/>
-              <a:t>10/17/2020</a:t>
+              <a:t>10/18/2020</a:t>
             </a:fld>
             <a:endParaRPr lang="en-US" dirty="0"/>
           </a:p>
@@ -5240,7 +5897,7 @@
           <p:cNvPr id="6" name="Footer Placeholder 5">
             <a:extLst>
               <a:ext uri="{FF2B5EF4-FFF2-40B4-BE49-F238E27FC236}">
-                <a16:creationId xmlns:a16="http://schemas.microsoft.com/office/drawing/2014/main" id="{BC2EE2C9-E87D-4495-9EDA-6BC0EDC27097}"/>
+                <a16:creationId xmlns:a16="http://schemas.microsoft.com/office/drawing/2014/main" xmlns="" id="{BC2EE2C9-E87D-4495-9EDA-6BC0EDC27097}"/>
               </a:ext>
             </a:extLst>
           </p:cNvPr>
@@ -5265,7 +5922,7 @@
           <p:cNvPr id="7" name="Slide Number Placeholder 6">
             <a:extLst>
               <a:ext uri="{FF2B5EF4-FFF2-40B4-BE49-F238E27FC236}">
-                <a16:creationId xmlns:a16="http://schemas.microsoft.com/office/drawing/2014/main" id="{4E5557A9-903F-4B36-8B06-D9EADF230508}"/>
+                <a16:creationId xmlns:a16="http://schemas.microsoft.com/office/drawing/2014/main" xmlns="" id="{4E5557A9-903F-4B36-8B06-D9EADF230508}"/>
               </a:ext>
             </a:extLst>
           </p:cNvPr>
@@ -5516,7 +6173,7 @@
           <p:cNvPr id="8" name="Date Placeholder 7">
             <a:extLst>
               <a:ext uri="{FF2B5EF4-FFF2-40B4-BE49-F238E27FC236}">
-                <a16:creationId xmlns:a16="http://schemas.microsoft.com/office/drawing/2014/main" id="{BB904BE8-2080-4FFA-9239-A8929E28FAD9}"/>
+                <a16:creationId xmlns:a16="http://schemas.microsoft.com/office/drawing/2014/main" xmlns="" id="{BB904BE8-2080-4FFA-9239-A8929E28FAD9}"/>
               </a:ext>
             </a:extLst>
           </p:cNvPr>
@@ -5539,7 +6196,7 @@
           <a:p>
             <a:fld id="{ED5DD0D6-7A82-473E-879B-C6ECD6CCCFEC}" type="datetime1">
               <a:rPr lang="en-US" smtClean="0"/>
-              <a:t>10/17/2020</a:t>
+              <a:t>10/18/2020</a:t>
             </a:fld>
             <a:endParaRPr lang="en-US" dirty="0"/>
           </a:p>
@@ -5550,7 +6207,7 @@
           <p:cNvPr id="9" name="Footer Placeholder 8">
             <a:extLst>
               <a:ext uri="{FF2B5EF4-FFF2-40B4-BE49-F238E27FC236}">
-                <a16:creationId xmlns:a16="http://schemas.microsoft.com/office/drawing/2014/main" id="{ED5580C6-5CD7-4CDD-977D-0533C84F2F45}"/>
+                <a16:creationId xmlns:a16="http://schemas.microsoft.com/office/drawing/2014/main" xmlns="" id="{ED5580C6-5CD7-4CDD-977D-0533C84F2F45}"/>
               </a:ext>
             </a:extLst>
           </p:cNvPr>
@@ -5580,7 +6237,7 @@
           <p:cNvPr id="10" name="Slide Number Placeholder 9">
             <a:extLst>
               <a:ext uri="{FF2B5EF4-FFF2-40B4-BE49-F238E27FC236}">
-                <a16:creationId xmlns:a16="http://schemas.microsoft.com/office/drawing/2014/main" id="{518D0320-9B66-443F-8E28-8BCF07E082BD}"/>
+                <a16:creationId xmlns:a16="http://schemas.microsoft.com/office/drawing/2014/main" xmlns="" id="{518D0320-9B66-443F-8E28-8BCF07E082BD}"/>
               </a:ext>
             </a:extLst>
           </p:cNvPr>
@@ -5816,7 +6473,7 @@
           <p:cNvPr id="11" name="Date Placeholder 10">
             <a:extLst>
               <a:ext uri="{FF2B5EF4-FFF2-40B4-BE49-F238E27FC236}">
-                <a16:creationId xmlns:a16="http://schemas.microsoft.com/office/drawing/2014/main" id="{41C2A9DB-B176-4069-8734-5B4ED352BA2B}"/>
+                <a16:creationId xmlns:a16="http://schemas.microsoft.com/office/drawing/2014/main" xmlns="" id="{41C2A9DB-B176-4069-8734-5B4ED352BA2B}"/>
               </a:ext>
             </a:extLst>
           </p:cNvPr>
@@ -5839,7 +6496,7 @@
           <a:p>
             <a:fld id="{D4605E03-BC17-41A7-854C-DFAB672737DC}" type="datetime1">
               <a:rPr lang="en-US" smtClean="0"/>
-              <a:t>10/17/2020</a:t>
+              <a:t>10/18/2020</a:t>
             </a:fld>
             <a:endParaRPr lang="en-US" dirty="0"/>
           </a:p>
@@ -5850,7 +6507,7 @@
           <p:cNvPr id="12" name="Footer Placeholder 11">
             <a:extLst>
               <a:ext uri="{FF2B5EF4-FFF2-40B4-BE49-F238E27FC236}">
-                <a16:creationId xmlns:a16="http://schemas.microsoft.com/office/drawing/2014/main" id="{430F9A2F-C2C4-4E1C-B4B3-07ED84F28CE8}"/>
+                <a16:creationId xmlns:a16="http://schemas.microsoft.com/office/drawing/2014/main" xmlns="" id="{430F9A2F-C2C4-4E1C-B4B3-07ED84F28CE8}"/>
               </a:ext>
             </a:extLst>
           </p:cNvPr>
@@ -5895,7 +6552,7 @@
           <p:cNvPr id="13" name="Slide Number Placeholder 12">
             <a:extLst>
               <a:ext uri="{FF2B5EF4-FFF2-40B4-BE49-F238E27FC236}">
-                <a16:creationId xmlns:a16="http://schemas.microsoft.com/office/drawing/2014/main" id="{F9BFA0A0-2117-4A10-9DAA-080C21559CF3}"/>
+                <a16:creationId xmlns:a16="http://schemas.microsoft.com/office/drawing/2014/main" xmlns="" id="{F9BFA0A0-2117-4A10-9DAA-080C21559CF3}"/>
               </a:ext>
             </a:extLst>
           </p:cNvPr>
@@ -6091,7 +6748,7 @@
           <a:p>
             <a:fld id="{C4408324-A84C-4A45-93B6-78D079CCE772}" type="datetime1">
               <a:rPr lang="en-US" smtClean="0"/>
-              <a:t>10/17/2020</a:t>
+              <a:t>10/18/2020</a:t>
             </a:fld>
             <a:endParaRPr lang="en-US" dirty="0"/>
           </a:p>
@@ -6186,7 +6843,7 @@
           <p:cNvPr id="9" name="Straight Connector 8" title="Rule Line">
             <a:extLst>
               <a:ext uri="{FF2B5EF4-FFF2-40B4-BE49-F238E27FC236}">
-                <a16:creationId xmlns:a16="http://schemas.microsoft.com/office/drawing/2014/main" id="{430127AE-B29E-4FDF-99D2-A2F1E7003F74}"/>
+                <a16:creationId xmlns:a16="http://schemas.microsoft.com/office/drawing/2014/main" xmlns="" id="{430127AE-B29E-4FDF-99D2-A2F1E7003F74}"/>
               </a:ext>
             </a:extLst>
           </p:cNvPr>
@@ -6586,10 +7243,10 @@
           <p:cNvPr id="38" name="Rectangle 23">
             <a:extLst>
               <a:ext uri="{FF2B5EF4-FFF2-40B4-BE49-F238E27FC236}">
-                <a16:creationId xmlns:a16="http://schemas.microsoft.com/office/drawing/2014/main" id="{0DBF1ABE-8590-450D-BB49-BDDCCF3EEA9E}"/>
+                <a16:creationId xmlns:a16="http://schemas.microsoft.com/office/drawing/2014/main" xmlns="" id="{0DBF1ABE-8590-450D-BB49-BDDCCF3EEA9E}"/>
               </a:ext>
               <a:ext uri="{C183D7F6-B498-43B3-948B-1728B52AA6E4}">
-                <adec:decorative xmlns:adec="http://schemas.microsoft.com/office/drawing/2017/decorative" val="1"/>
+                <adec:decorative xmlns:adec="http://schemas.microsoft.com/office/drawing/2017/decorative" xmlns="" val="1"/>
               </a:ext>
             </a:extLst>
           </p:cNvPr>
@@ -6599,7 +7256,7 @@
           <p:nvPr>
             <p:extLst>
               <p:ext uri="{386F3935-93C4-4BCD-93E2-E3B085C9AB24}">
-                <p16:designElem xmlns:p16="http://schemas.microsoft.com/office/powerpoint/2015/main" val="1"/>
+                <p16:designElem xmlns:p16="http://schemas.microsoft.com/office/powerpoint/2015/main" xmlns="" val="1"/>
               </p:ext>
             </p:extLst>
           </p:nvPr>
@@ -6675,7 +7332,7 @@
           <p:cNvPr id="2" name="Title 1">
             <a:extLst>
               <a:ext uri="{FF2B5EF4-FFF2-40B4-BE49-F238E27FC236}">
-                <a16:creationId xmlns:a16="http://schemas.microsoft.com/office/drawing/2014/main" id="{3DC34EFC-B440-4AEC-B06F-69DA1F597CC6}"/>
+                <a16:creationId xmlns:a16="http://schemas.microsoft.com/office/drawing/2014/main" xmlns="" id="{3DC34EFC-B440-4AEC-B06F-69DA1F597CC6}"/>
               </a:ext>
             </a:extLst>
           </p:cNvPr>
@@ -6704,8 +7361,19 @@
               </a:lnSpc>
             </a:pPr>
             <a:r>
-              <a:rPr lang="en-US"/>
-              <a:t>Paper Abstract Search 	</a:t>
+              <a:rPr lang="en-US" dirty="0" smtClean="0"/>
+              <a:t>Academic Paper </a:t>
+            </a:r>
+            <a:br>
+              <a:rPr lang="en-US" dirty="0" smtClean="0"/>
+            </a:br>
+            <a:r>
+              <a:rPr lang="en-US" dirty="0" smtClean="0"/>
+              <a:t>Search </a:t>
+            </a:r>
+            <a:r>
+              <a:rPr lang="en-US" dirty="0"/>
+              <a:t>	</a:t>
             </a:r>
           </a:p>
         </p:txBody>
@@ -6715,7 +7383,7 @@
           <p:cNvPr id="3" name="Subtitle 2">
             <a:extLst>
               <a:ext uri="{FF2B5EF4-FFF2-40B4-BE49-F238E27FC236}">
-                <a16:creationId xmlns:a16="http://schemas.microsoft.com/office/drawing/2014/main" id="{93ACA8FB-6640-47A9-A081-D0CB6D933BC6}"/>
+                <a16:creationId xmlns:a16="http://schemas.microsoft.com/office/drawing/2014/main" xmlns="" id="{93ACA8FB-6640-47A9-A081-D0CB6D933BC6}"/>
               </a:ext>
             </a:extLst>
           </p:cNvPr>
@@ -6734,7 +7402,7 @@
         </p:spPr>
         <p:txBody>
           <a:bodyPr anchor="t">
-            <a:normAutofit/>
+            <a:normAutofit fontScale="92500"/>
           </a:bodyPr>
           <a:lstStyle/>
           <a:p>
@@ -6761,6 +7429,10 @@
               </a:rPr>
               <a:t>Kinori Rosnow (KSR43@pitt.edu )</a:t>
             </a:r>
+            <a:r>
+              <a:rPr lang="en-US" sz="1700"/>
+              <a:t/>
+            </a:r>
             <a:br>
               <a:rPr lang="en-US" sz="1700"/>
             </a:br>
@@ -6770,6 +7442,10 @@
                 <a:latin typeface="Lato Extended"/>
               </a:rPr>
               <a:t>Kwesi Aguillera (KRA40@pitt.edu )</a:t>
+            </a:r>
+            <a:r>
+              <a:rPr lang="en-US" sz="1700"/>
+              <a:t/>
             </a:r>
             <a:br>
               <a:rPr lang="en-US" sz="1700"/>
@@ -6790,10 +7466,10 @@
           <p:cNvPr id="39" name="Freeform: Shape 25">
             <a:extLst>
               <a:ext uri="{FF2B5EF4-FFF2-40B4-BE49-F238E27FC236}">
-                <a16:creationId xmlns:a16="http://schemas.microsoft.com/office/drawing/2014/main" id="{C7D887A3-61AD-4674-BC53-8DFA8CF7B410}"/>
+                <a16:creationId xmlns:a16="http://schemas.microsoft.com/office/drawing/2014/main" xmlns="" id="{C7D887A3-61AD-4674-BC53-8DFA8CF7B410}"/>
               </a:ext>
               <a:ext uri="{C183D7F6-B498-43B3-948B-1728B52AA6E4}">
-                <adec:decorative xmlns:adec="http://schemas.microsoft.com/office/drawing/2017/decorative" val="1"/>
+                <adec:decorative xmlns:adec="http://schemas.microsoft.com/office/drawing/2017/decorative" xmlns="" val="1"/>
               </a:ext>
             </a:extLst>
           </p:cNvPr>
@@ -6803,7 +7479,7 @@
           <p:nvPr>
             <p:extLst>
               <p:ext uri="{386F3935-93C4-4BCD-93E2-E3B085C9AB24}">
-                <p16:designElem xmlns:p16="http://schemas.microsoft.com/office/powerpoint/2015/main" val="1"/>
+                <p16:designElem xmlns:p16="http://schemas.microsoft.com/office/powerpoint/2015/main" xmlns="" val="1"/>
               </p:ext>
             </p:extLst>
           </p:nvPr>
@@ -6970,10 +7646,10 @@
           <p:cNvPr id="40" name="Freeform: Shape 27">
             <a:extLst>
               <a:ext uri="{FF2B5EF4-FFF2-40B4-BE49-F238E27FC236}">
-                <a16:creationId xmlns:a16="http://schemas.microsoft.com/office/drawing/2014/main" id="{479F0FB3-8461-462D-84A2-53106FBF4E5B}"/>
+                <a16:creationId xmlns:a16="http://schemas.microsoft.com/office/drawing/2014/main" xmlns="" id="{479F0FB3-8461-462D-84A2-53106FBF4E5B}"/>
               </a:ext>
               <a:ext uri="{C183D7F6-B498-43B3-948B-1728B52AA6E4}">
-                <adec:decorative xmlns:adec="http://schemas.microsoft.com/office/drawing/2017/decorative" val="1"/>
+                <adec:decorative xmlns:adec="http://schemas.microsoft.com/office/drawing/2017/decorative" xmlns="" val="1"/>
               </a:ext>
             </a:extLst>
           </p:cNvPr>
@@ -6983,7 +7659,7 @@
           <p:nvPr>
             <p:extLst>
               <p:ext uri="{386F3935-93C4-4BCD-93E2-E3B085C9AB24}">
-                <p16:designElem xmlns:p16="http://schemas.microsoft.com/office/powerpoint/2015/main" val="1"/>
+                <p16:designElem xmlns:p16="http://schemas.microsoft.com/office/powerpoint/2015/main" xmlns="" val="1"/>
               </p:ext>
             </p:extLst>
           </p:nvPr>
@@ -7183,10 +7859,10 @@
           <p:cNvPr id="41" name="Freeform: Shape 29">
             <a:extLst>
               <a:ext uri="{FF2B5EF4-FFF2-40B4-BE49-F238E27FC236}">
-                <a16:creationId xmlns:a16="http://schemas.microsoft.com/office/drawing/2014/main" id="{11E3C311-4E8A-45D9-97BF-07F5FD346974}"/>
+                <a16:creationId xmlns:a16="http://schemas.microsoft.com/office/drawing/2014/main" xmlns="" id="{11E3C311-4E8A-45D9-97BF-07F5FD346974}"/>
               </a:ext>
               <a:ext uri="{C183D7F6-B498-43B3-948B-1728B52AA6E4}">
-                <adec:decorative xmlns:adec="http://schemas.microsoft.com/office/drawing/2017/decorative" val="1"/>
+                <adec:decorative xmlns:adec="http://schemas.microsoft.com/office/drawing/2017/decorative" xmlns="" val="1"/>
               </a:ext>
             </a:extLst>
           </p:cNvPr>
@@ -7196,7 +7872,7 @@
           <p:nvPr>
             <p:extLst>
               <p:ext uri="{386F3935-93C4-4BCD-93E2-E3B085C9AB24}">
-                <p16:designElem xmlns:p16="http://schemas.microsoft.com/office/powerpoint/2015/main" val="1"/>
+                <p16:designElem xmlns:p16="http://schemas.microsoft.com/office/powerpoint/2015/main" xmlns="" val="1"/>
               </p:ext>
             </p:extLst>
           </p:nvPr>
@@ -7396,7 +8072,7 @@
           <p:cNvPr id="4" name="Picture 3">
             <a:extLst>
               <a:ext uri="{FF2B5EF4-FFF2-40B4-BE49-F238E27FC236}">
-                <a16:creationId xmlns:a16="http://schemas.microsoft.com/office/drawing/2014/main" id="{7056E428-5C53-4C59-A856-DBF7EA2ABCB1}"/>
+                <a16:creationId xmlns:a16="http://schemas.microsoft.com/office/drawing/2014/main" xmlns="" id="{7056E428-5C53-4C59-A856-DBF7EA2ABCB1}"/>
               </a:ext>
             </a:extLst>
           </p:cNvPr>
@@ -7493,6 +8169,13 @@
   <p:clrMapOvr>
     <a:masterClrMapping/>
   </p:clrMapOvr>
+  <p:timing>
+    <p:tnLst>
+      <p:par>
+        <p:cTn id="1" dur="indefinite" restart="never" nodeType="tmRoot"/>
+      </p:par>
+    </p:tnLst>
+  </p:timing>
 </p:sld>
 </file>
 
@@ -7526,10 +8209,10 @@
           <p:cNvPr id="8" name="Rectangle 7">
             <a:extLst>
               <a:ext uri="{FF2B5EF4-FFF2-40B4-BE49-F238E27FC236}">
-                <a16:creationId xmlns:a16="http://schemas.microsoft.com/office/drawing/2014/main" id="{AC14302F-E955-47D0-A56B-D1D1A6953B51}"/>
+                <a16:creationId xmlns:a16="http://schemas.microsoft.com/office/drawing/2014/main" xmlns="" id="{AC14302F-E955-47D0-A56B-D1D1A6953B51}"/>
               </a:ext>
               <a:ext uri="{C183D7F6-B498-43B3-948B-1728B52AA6E4}">
-                <adec:decorative xmlns:adec="http://schemas.microsoft.com/office/drawing/2017/decorative" val="1"/>
+                <adec:decorative xmlns:adec="http://schemas.microsoft.com/office/drawing/2017/decorative" xmlns="" val="1"/>
               </a:ext>
             </a:extLst>
           </p:cNvPr>
@@ -7539,7 +8222,7 @@
           <p:nvPr>
             <p:extLst>
               <p:ext uri="{386F3935-93C4-4BCD-93E2-E3B085C9AB24}">
-                <p16:designElem xmlns:p16="http://schemas.microsoft.com/office/powerpoint/2015/main" val="1"/>
+                <p16:designElem xmlns:p16="http://schemas.microsoft.com/office/powerpoint/2015/main" xmlns="" val="1"/>
               </p:ext>
             </p:extLst>
           </p:nvPr>
@@ -7615,10 +8298,10 @@
           <p:cNvPr id="10" name="Group 9">
             <a:extLst>
               <a:ext uri="{FF2B5EF4-FFF2-40B4-BE49-F238E27FC236}">
-                <a16:creationId xmlns:a16="http://schemas.microsoft.com/office/drawing/2014/main" id="{572E366A-B6DD-4F06-A42A-FF634FDE1BE1}"/>
+                <a16:creationId xmlns:a16="http://schemas.microsoft.com/office/drawing/2014/main" xmlns="" id="{572E366A-B6DD-4F06-A42A-FF634FDE1BE1}"/>
               </a:ext>
               <a:ext uri="{C183D7F6-B498-43B3-948B-1728B52AA6E4}">
-                <adec:decorative xmlns:adec="http://schemas.microsoft.com/office/drawing/2017/decorative" val="1"/>
+                <adec:decorative xmlns:adec="http://schemas.microsoft.com/office/drawing/2017/decorative" xmlns="" val="1"/>
               </a:ext>
             </a:extLst>
           </p:cNvPr>
@@ -7628,7 +8311,7 @@
           <p:nvPr>
             <p:extLst>
               <p:ext uri="{386F3935-93C4-4BCD-93E2-E3B085C9AB24}">
-                <p16:designElem xmlns:p16="http://schemas.microsoft.com/office/powerpoint/2015/main" val="1"/>
+                <p16:designElem xmlns:p16="http://schemas.microsoft.com/office/powerpoint/2015/main" xmlns="" val="1"/>
               </p:ext>
             </p:extLst>
           </p:nvPr>
@@ -7646,10 +8329,10 @@
             <p:cNvPr id="11" name="Freeform: Shape 10">
               <a:extLst>
                 <a:ext uri="{FF2B5EF4-FFF2-40B4-BE49-F238E27FC236}">
-                  <a16:creationId xmlns:a16="http://schemas.microsoft.com/office/drawing/2014/main" id="{6750E550-BE93-4743-8659-1531F86CB6CE}"/>
+                  <a16:creationId xmlns:a16="http://schemas.microsoft.com/office/drawing/2014/main" xmlns="" id="{6750E550-BE93-4743-8659-1531F86CB6CE}"/>
                 </a:ext>
                 <a:ext uri="{C183D7F6-B498-43B3-948B-1728B52AA6E4}">
-                  <adec:decorative xmlns:adec="http://schemas.microsoft.com/office/drawing/2017/decorative" val="1"/>
+                  <adec:decorative xmlns:adec="http://schemas.microsoft.com/office/drawing/2017/decorative" xmlns="" val="1"/>
                 </a:ext>
               </a:extLst>
             </p:cNvPr>
@@ -7657,7 +8340,7 @@
             <p:nvPr>
               <p:extLst>
                 <p:ext uri="{386F3935-93C4-4BCD-93E2-E3B085C9AB24}">
-                  <p16:designElem xmlns:p16="http://schemas.microsoft.com/office/powerpoint/2015/main" val="1"/>
+                  <p16:designElem xmlns:p16="http://schemas.microsoft.com/office/powerpoint/2015/main" xmlns="" val="1"/>
                 </p:ext>
               </p:extLst>
             </p:nvPr>
@@ -7870,10 +8553,10 @@
             <p:cNvPr id="12" name="Freeform: Shape 11">
               <a:extLst>
                 <a:ext uri="{FF2B5EF4-FFF2-40B4-BE49-F238E27FC236}">
-                  <a16:creationId xmlns:a16="http://schemas.microsoft.com/office/drawing/2014/main" id="{BE626DC7-F0FE-49A7-AA4C-A8DB1F7EBA2B}"/>
+                  <a16:creationId xmlns:a16="http://schemas.microsoft.com/office/drawing/2014/main" xmlns="" id="{BE626DC7-F0FE-49A7-AA4C-A8DB1F7EBA2B}"/>
                 </a:ext>
                 <a:ext uri="{C183D7F6-B498-43B3-948B-1728B52AA6E4}">
-                  <adec:decorative xmlns:adec="http://schemas.microsoft.com/office/drawing/2017/decorative" val="1"/>
+                  <adec:decorative xmlns:adec="http://schemas.microsoft.com/office/drawing/2017/decorative" xmlns="" val="1"/>
                 </a:ext>
               </a:extLst>
             </p:cNvPr>
@@ -7881,7 +8564,7 @@
             <p:nvPr>
               <p:extLst>
                 <p:ext uri="{386F3935-93C4-4BCD-93E2-E3B085C9AB24}">
-                  <p16:designElem xmlns:p16="http://schemas.microsoft.com/office/powerpoint/2015/main" val="1"/>
+                  <p16:designElem xmlns:p16="http://schemas.microsoft.com/office/powerpoint/2015/main" xmlns="" val="1"/>
                 </p:ext>
               </p:extLst>
             </p:nvPr>
@@ -8094,10 +8777,10 @@
             <p:cNvPr id="13" name="Freeform: Shape 12">
               <a:extLst>
                 <a:ext uri="{FF2B5EF4-FFF2-40B4-BE49-F238E27FC236}">
-                  <a16:creationId xmlns:a16="http://schemas.microsoft.com/office/drawing/2014/main" id="{1EBB781F-78E5-4C66-811C-9FF8B5D501BC}"/>
+                  <a16:creationId xmlns:a16="http://schemas.microsoft.com/office/drawing/2014/main" xmlns="" id="{1EBB781F-78E5-4C66-811C-9FF8B5D501BC}"/>
                 </a:ext>
                 <a:ext uri="{C183D7F6-B498-43B3-948B-1728B52AA6E4}">
-                  <adec:decorative xmlns:adec="http://schemas.microsoft.com/office/drawing/2017/decorative" val="1"/>
+                  <adec:decorative xmlns:adec="http://schemas.microsoft.com/office/drawing/2017/decorative" xmlns="" val="1"/>
                 </a:ext>
               </a:extLst>
             </p:cNvPr>
@@ -8105,7 +8788,7 @@
             <p:nvPr>
               <p:extLst>
                 <p:ext uri="{386F3935-93C4-4BCD-93E2-E3B085C9AB24}">
-                  <p16:designElem xmlns:p16="http://schemas.microsoft.com/office/powerpoint/2015/main" val="1"/>
+                  <p16:designElem xmlns:p16="http://schemas.microsoft.com/office/powerpoint/2015/main" xmlns="" val="1"/>
                 </p:ext>
               </p:extLst>
             </p:nvPr>
@@ -8317,7 +9000,7 @@
           <p:cNvPr id="2" name="Title 1">
             <a:extLst>
               <a:ext uri="{FF2B5EF4-FFF2-40B4-BE49-F238E27FC236}">
-                <a16:creationId xmlns:a16="http://schemas.microsoft.com/office/drawing/2014/main" id="{3BA04266-F0B0-4786-B1B2-CA4CC01DDA4A}"/>
+                <a16:creationId xmlns:a16="http://schemas.microsoft.com/office/drawing/2014/main" xmlns="" id="{3BA04266-F0B0-4786-B1B2-CA4CC01DDA4A}"/>
               </a:ext>
             </a:extLst>
           </p:cNvPr>
@@ -8341,9 +9024,10 @@
           <a:lstStyle/>
           <a:p>
             <a:r>
-              <a:rPr lang="en-US" dirty="0"/>
-              <a:t>PROBLEM ??</a:t>
-            </a:r>
+              <a:rPr lang="en-US" dirty="0" smtClean="0"/>
+              <a:t>PROBLEM</a:t>
+            </a:r>
+            <a:endParaRPr lang="en-US" dirty="0"/>
           </a:p>
         </p:txBody>
       </p:sp>
@@ -8352,7 +9036,7 @@
           <p:cNvPr id="3" name="Content Placeholder 2">
             <a:extLst>
               <a:ext uri="{FF2B5EF4-FFF2-40B4-BE49-F238E27FC236}">
-                <a16:creationId xmlns:a16="http://schemas.microsoft.com/office/drawing/2014/main" id="{21C09B7D-1B18-4110-B289-7D1B8178FCDA}"/>
+                <a16:creationId xmlns:a16="http://schemas.microsoft.com/office/drawing/2014/main" xmlns="" id="{21C09B7D-1B18-4110-B289-7D1B8178FCDA}"/>
               </a:ext>
             </a:extLst>
           </p:cNvPr>
@@ -8375,32 +9059,70 @@
           </a:bodyPr>
           <a:lstStyle/>
           <a:p>
-            <a:pPr>
+            <a:pPr marL="285750" indent="-285750">
               <a:lnSpc>
                 <a:spcPct val="130000"/>
               </a:lnSpc>
+              <a:buFont typeface="Arial" panose="020B0604020202020204" pitchFamily="34" charset="0"/>
+              <a:buChar char="•"/>
             </a:pPr>
             <a:r>
-              <a:rPr lang="en-US" b="0" i="0">
+              <a:rPr lang="en-US" b="0" i="0" dirty="0" smtClean="0">
                 <a:effectLst/>
                 <a:latin typeface="Lato Extended"/>
               </a:rPr>
-              <a:t>The project will create a search system to obtain papers that are relevant to a user’s query. This implementation may be improved version (in terms of performance) for subject based index. The validation of the result can be checked with the provided reviewer subject tags.</a:t>
-            </a:r>
-          </a:p>
-          <a:p>
-            <a:pPr>
+              <a:t>Academic Paper Search</a:t>
+            </a:r>
+          </a:p>
+          <a:p>
+            <a:pPr marL="285750" indent="-285750">
               <a:lnSpc>
                 <a:spcPct val="130000"/>
               </a:lnSpc>
+              <a:buFont typeface="Arial" panose="020B0604020202020204" pitchFamily="34" charset="0"/>
+              <a:buChar char="•"/>
             </a:pPr>
             <a:r>
-              <a:rPr lang="en-US">
+              <a:rPr lang="en-US" dirty="0" smtClean="0">
                 <a:latin typeface="Lato Extended"/>
               </a:rPr>
-              <a:t>The project will help us understand the implementation of course topics for a real-world scenario.</a:t>
-            </a:r>
-            <a:endParaRPr lang="en-US"/>
+              <a:t>Subject based tagging</a:t>
+            </a:r>
+          </a:p>
+          <a:p>
+            <a:pPr marL="285750" indent="-285750">
+              <a:lnSpc>
+                <a:spcPct val="130000"/>
+              </a:lnSpc>
+              <a:buFont typeface="Arial" panose="020B0604020202020204" pitchFamily="34" charset="0"/>
+              <a:buChar char="•"/>
+            </a:pPr>
+            <a:r>
+              <a:rPr lang="en-US" dirty="0" smtClean="0">
+                <a:latin typeface="Lato Extended"/>
+              </a:rPr>
+              <a:t>Parsing system may be able to tag</a:t>
+            </a:r>
+          </a:p>
+          <a:p>
+            <a:pPr marL="285750" indent="-285750">
+              <a:lnSpc>
+                <a:spcPct val="130000"/>
+              </a:lnSpc>
+              <a:buFont typeface="Arial" panose="020B0604020202020204" pitchFamily="34" charset="0"/>
+              <a:buChar char="•"/>
+            </a:pPr>
+            <a:r>
+              <a:rPr lang="en-US" b="0" i="0" dirty="0" smtClean="0">
+                <a:effectLst/>
+                <a:latin typeface="Lato Extended"/>
+              </a:rPr>
+              <a:t>Requires implementation of course concepts</a:t>
+            </a:r>
+            <a:endParaRPr lang="en-US" b="0" i="0" dirty="0">
+              <a:effectLst/>
+              <a:latin typeface="Lato Extended"/>
+            </a:endParaRPr>
           </a:p>
         </p:txBody>
       </p:sp>
@@ -8414,6 +9136,13 @@
   <p:clrMapOvr>
     <a:masterClrMapping/>
   </p:clrMapOvr>
+  <p:timing>
+    <p:tnLst>
+      <p:par>
+        <p:cTn id="1" dur="indefinite" restart="never" nodeType="tmRoot"/>
+      </p:par>
+    </p:tnLst>
+  </p:timing>
 </p:sld>
 </file>
 
@@ -8439,7 +9168,7 @@
           <p:cNvPr id="2" name="Title 1">
             <a:extLst>
               <a:ext uri="{FF2B5EF4-FFF2-40B4-BE49-F238E27FC236}">
-                <a16:creationId xmlns:a16="http://schemas.microsoft.com/office/drawing/2014/main" id="{501C4BEE-7FD2-4600-8711-4210A7B838B0}"/>
+                <a16:creationId xmlns:a16="http://schemas.microsoft.com/office/drawing/2014/main" xmlns="" id="{501C4BEE-7FD2-4600-8711-4210A7B838B0}"/>
               </a:ext>
             </a:extLst>
           </p:cNvPr>
@@ -8467,7 +9196,7 @@
           <p:cNvPr id="3" name="Content Placeholder 2">
             <a:extLst>
               <a:ext uri="{FF2B5EF4-FFF2-40B4-BE49-F238E27FC236}">
-                <a16:creationId xmlns:a16="http://schemas.microsoft.com/office/drawing/2014/main" id="{A6DA295B-B565-4377-9C28-E1AC1064C895}"/>
+                <a16:creationId xmlns:a16="http://schemas.microsoft.com/office/drawing/2014/main" xmlns="" id="{A6DA295B-B565-4377-9C28-E1AC1064C895}"/>
               </a:ext>
             </a:extLst>
           </p:cNvPr>
@@ -8481,7 +9210,7 @@
         <p:spPr/>
         <p:txBody>
           <a:bodyPr>
-            <a:normAutofit fontScale="92500" lnSpcReduction="20000"/>
+            <a:normAutofit/>
           </a:bodyPr>
           <a:lstStyle/>
           <a:p>
@@ -8491,10 +9220,66 @@
             </a:r>
           </a:p>
           <a:p>
+            <a:pPr marL="285750" indent="-285750">
+              <a:buFont typeface="Arial" panose="020B0604020202020204" pitchFamily="34" charset="0"/>
+              <a:buChar char="•"/>
+            </a:pPr>
+            <a:r>
+              <a:rPr lang="en-US" dirty="0" smtClean="0"/>
+              <a:t>statistically tag </a:t>
+            </a:r>
             <a:r>
               <a:rPr lang="en-US" dirty="0"/>
-              <a:t>Main idea for project solution is to use statistical approach to tag and index the content of the document and tag the document to best described tags and validate with the pre available tags</a:t>
-            </a:r>
+              <a:t>and </a:t>
+            </a:r>
+            <a:r>
+              <a:rPr lang="en-US" dirty="0" smtClean="0"/>
+              <a:t>index content</a:t>
+            </a:r>
+          </a:p>
+          <a:p>
+            <a:pPr marL="285750" indent="-285750">
+              <a:buFont typeface="Arial" panose="020B0604020202020204" pitchFamily="34" charset="0"/>
+              <a:buChar char="•"/>
+            </a:pPr>
+            <a:r>
+              <a:rPr lang="en-US" dirty="0" smtClean="0"/>
+              <a:t>query reformulation</a:t>
+            </a:r>
+            <a:endParaRPr lang="en-US" dirty="0" smtClean="0"/>
+          </a:p>
+          <a:p>
+            <a:pPr marL="285750" indent="-285750">
+              <a:buFont typeface="Arial" panose="020B0604020202020204" pitchFamily="34" charset="0"/>
+              <a:buChar char="•"/>
+            </a:pPr>
+            <a:r>
+              <a:rPr lang="en-US" dirty="0" smtClean="0"/>
+              <a:t>validate </a:t>
+            </a:r>
+            <a:r>
+              <a:rPr lang="en-US" dirty="0"/>
+              <a:t>with </a:t>
+            </a:r>
+            <a:r>
+              <a:rPr lang="en-US" dirty="0" smtClean="0"/>
+              <a:t>manual</a:t>
+            </a:r>
+            <a:r>
+              <a:rPr lang="en-US" dirty="0" smtClean="0"/>
+              <a:t> tags</a:t>
+            </a:r>
+          </a:p>
+          <a:p>
+            <a:pPr marL="285750" indent="-285750">
+              <a:buFont typeface="Arial" panose="020B0604020202020204" pitchFamily="34" charset="0"/>
+              <a:buChar char="•"/>
+            </a:pPr>
+            <a:r>
+              <a:rPr lang="en-US" dirty="0" smtClean="0"/>
+              <a:t>potential for user feedback, tag hierarchy</a:t>
+            </a:r>
+            <a:endParaRPr lang="en-US" dirty="0"/>
           </a:p>
           <a:p>
             <a:endParaRPr lang="en-US" dirty="0"/>
@@ -8506,7 +9291,7 @@
           <p:cNvPr id="4" name="Content Placeholder 3">
             <a:extLst>
               <a:ext uri="{FF2B5EF4-FFF2-40B4-BE49-F238E27FC236}">
-                <a16:creationId xmlns:a16="http://schemas.microsoft.com/office/drawing/2014/main" id="{8A133DED-6E8F-468C-AF58-A83838FCA038}"/>
+                <a16:creationId xmlns:a16="http://schemas.microsoft.com/office/drawing/2014/main" xmlns="" id="{8A133DED-6E8F-468C-AF58-A83838FCA038}"/>
               </a:ext>
             </a:extLst>
           </p:cNvPr>
@@ -8520,7 +9305,7 @@
         <p:spPr/>
         <p:txBody>
           <a:bodyPr>
-            <a:normAutofit fontScale="92500" lnSpcReduction="20000"/>
+            <a:normAutofit/>
           </a:bodyPr>
           <a:lstStyle/>
           <a:p>
@@ -8530,22 +9315,37 @@
             </a:r>
           </a:p>
           <a:p>
-            <a:r>
-              <a:rPr lang="en-US" dirty="0"/>
-              <a:t>There are many website which has journals published with subject tagged manually, we are using </a:t>
-            </a:r>
+            <a:pPr marL="285750" indent="-285750">
+              <a:buFont typeface="Arial" panose="020B0604020202020204" pitchFamily="34" charset="0"/>
+              <a:buChar char="•"/>
+            </a:pPr>
             <a:r>
               <a:rPr lang="en-US" dirty="0">
-                <a:hlinkClick r:id="rId2"/>
+                <a:hlinkClick r:id="rId3"/>
               </a:rPr>
               <a:t>ACM Journals</a:t>
             </a:r>
             <a:r>
               <a:rPr lang="en-US" dirty="0"/>
-              <a:t> for our current project. There are tools like </a:t>
-            </a:r>
-            <a:r>
-              <a:rPr lang="en-US" dirty="0" err="1"/>
+              <a:t> </a:t>
+            </a:r>
+            <a:r>
+              <a:rPr lang="en-US" dirty="0" smtClean="0"/>
+              <a:t>- subject </a:t>
+            </a:r>
+            <a:r>
+              <a:rPr lang="en-US" dirty="0"/>
+              <a:t>tagged manually</a:t>
+            </a:r>
+            <a:endParaRPr lang="en-US" dirty="0" smtClean="0"/>
+          </a:p>
+          <a:p>
+            <a:pPr marL="285750" indent="-285750">
+              <a:buFont typeface="Arial" panose="020B0604020202020204" pitchFamily="34" charset="0"/>
+              <a:buChar char="•"/>
+            </a:pPr>
+            <a:r>
+              <a:rPr lang="en-US" dirty="0" err="1" smtClean="0"/>
               <a:t>zapier</a:t>
             </a:r>
             <a:r>
@@ -8553,21 +9353,43 @@
               <a:t>, </a:t>
             </a:r>
             <a:r>
-              <a:rPr lang="en-US" dirty="0" err="1"/>
+              <a:rPr lang="en-US" dirty="0" err="1" smtClean="0"/>
               <a:t>nuclino</a:t>
             </a:r>
             <a:r>
+              <a:rPr lang="en-US" dirty="0" smtClean="0"/>
+              <a:t>, etc. </a:t>
+            </a:r>
+            <a:r>
               <a:rPr lang="en-US" dirty="0"/>
-              <a:t> </a:t>
-            </a:r>
-            <a:r>
-              <a:rPr lang="en-US" dirty="0" err="1"/>
-              <a:t>etc</a:t>
+              <a:t>available </a:t>
+            </a:r>
+            <a:r>
+              <a:rPr lang="en-US" dirty="0" smtClean="0"/>
+              <a:t>for tagging (not designed </a:t>
             </a:r>
             <a:r>
               <a:rPr lang="en-US" dirty="0"/>
-              <a:t> available for such tagging but there are not appropriate for academic documents.</a:t>
-            </a:r>
+              <a:t>for academic </a:t>
+            </a:r>
+            <a:r>
+              <a:rPr lang="en-US" dirty="0" smtClean="0"/>
+              <a:t>documents)</a:t>
+            </a:r>
+          </a:p>
+          <a:p>
+            <a:pPr marL="285750" lvl="1" indent="-285750">
+              <a:buFont typeface="Arial" panose="020B0604020202020204" pitchFamily="34" charset="0"/>
+              <a:buChar char="•"/>
+            </a:pPr>
+            <a:endParaRPr lang="en-US" dirty="0"/>
+          </a:p>
+          <a:p>
+            <a:pPr marL="285750" lvl="1" indent="-285750">
+              <a:buFont typeface="Arial" panose="020B0604020202020204" pitchFamily="34" charset="0"/>
+              <a:buChar char="•"/>
+            </a:pPr>
+            <a:endParaRPr lang="en-US" dirty="0"/>
           </a:p>
         </p:txBody>
       </p:sp>
@@ -8581,6 +9403,13 @@
   <p:clrMapOvr>
     <a:masterClrMapping/>
   </p:clrMapOvr>
+  <p:timing>
+    <p:tnLst>
+      <p:par>
+        <p:cTn id="1" dur="indefinite" restart="never" nodeType="tmRoot"/>
+      </p:par>
+    </p:tnLst>
+  </p:timing>
 </p:sld>
 </file>
 
@@ -8614,10 +9443,10 @@
           <p:cNvPr id="52" name="Rectangle 27">
             <a:extLst>
               <a:ext uri="{FF2B5EF4-FFF2-40B4-BE49-F238E27FC236}">
-                <a16:creationId xmlns:a16="http://schemas.microsoft.com/office/drawing/2014/main" id="{C51A08AC-F796-409C-AD97-8B476289EC51}"/>
+                <a16:creationId xmlns:a16="http://schemas.microsoft.com/office/drawing/2014/main" xmlns="" id="{C51A08AC-F796-409C-AD97-8B476289EC51}"/>
               </a:ext>
               <a:ext uri="{C183D7F6-B498-43B3-948B-1728B52AA6E4}">
-                <adec:decorative xmlns:adec="http://schemas.microsoft.com/office/drawing/2017/decorative" val="1"/>
+                <adec:decorative xmlns:adec="http://schemas.microsoft.com/office/drawing/2017/decorative" xmlns="" val="1"/>
               </a:ext>
             </a:extLst>
           </p:cNvPr>
@@ -8627,7 +9456,7 @@
           <p:nvPr>
             <p:extLst>
               <p:ext uri="{386F3935-93C4-4BCD-93E2-E3B085C9AB24}">
-                <p16:designElem xmlns:p16="http://schemas.microsoft.com/office/powerpoint/2015/main" val="1"/>
+                <p16:designElem xmlns:p16="http://schemas.microsoft.com/office/powerpoint/2015/main" xmlns="" val="1"/>
               </p:ext>
             </p:extLst>
           </p:nvPr>
@@ -8703,10 +9532,10 @@
           <p:cNvPr id="53" name="Group 29">
             <a:extLst>
               <a:ext uri="{FF2B5EF4-FFF2-40B4-BE49-F238E27FC236}">
-                <a16:creationId xmlns:a16="http://schemas.microsoft.com/office/drawing/2014/main" id="{1E1B312B-4E9A-405C-9CE8-10325438035E}"/>
+                <a16:creationId xmlns:a16="http://schemas.microsoft.com/office/drawing/2014/main" xmlns="" id="{1E1B312B-4E9A-405C-9CE8-10325438035E}"/>
               </a:ext>
               <a:ext uri="{C183D7F6-B498-43B3-948B-1728B52AA6E4}">
-                <adec:decorative xmlns:adec="http://schemas.microsoft.com/office/drawing/2017/decorative" val="1"/>
+                <adec:decorative xmlns:adec="http://schemas.microsoft.com/office/drawing/2017/decorative" xmlns="" val="1"/>
               </a:ext>
             </a:extLst>
           </p:cNvPr>
@@ -8716,7 +9545,7 @@
           <p:nvPr>
             <p:extLst>
               <p:ext uri="{386F3935-93C4-4BCD-93E2-E3B085C9AB24}">
-                <p16:designElem xmlns:p16="http://schemas.microsoft.com/office/powerpoint/2015/main" val="1"/>
+                <p16:designElem xmlns:p16="http://schemas.microsoft.com/office/powerpoint/2015/main" xmlns="" val="1"/>
               </p:ext>
             </p:extLst>
           </p:nvPr>
@@ -8734,10 +9563,10 @@
             <p:cNvPr id="31" name="Freeform: Shape 30">
               <a:extLst>
                 <a:ext uri="{FF2B5EF4-FFF2-40B4-BE49-F238E27FC236}">
-                  <a16:creationId xmlns:a16="http://schemas.microsoft.com/office/drawing/2014/main" id="{027ED404-4912-4C80-B5EB-98E67EB26AD0}"/>
+                  <a16:creationId xmlns:a16="http://schemas.microsoft.com/office/drawing/2014/main" xmlns="" id="{027ED404-4912-4C80-B5EB-98E67EB26AD0}"/>
                 </a:ext>
                 <a:ext uri="{C183D7F6-B498-43B3-948B-1728B52AA6E4}">
-                  <adec:decorative xmlns:adec="http://schemas.microsoft.com/office/drawing/2017/decorative" val="1"/>
+                  <adec:decorative xmlns:adec="http://schemas.microsoft.com/office/drawing/2017/decorative" xmlns="" val="1"/>
                 </a:ext>
               </a:extLst>
             </p:cNvPr>
@@ -8745,7 +9574,7 @@
             <p:nvPr>
               <p:extLst>
                 <p:ext uri="{386F3935-93C4-4BCD-93E2-E3B085C9AB24}">
-                  <p16:designElem xmlns:p16="http://schemas.microsoft.com/office/powerpoint/2015/main" val="1"/>
+                  <p16:designElem xmlns:p16="http://schemas.microsoft.com/office/powerpoint/2015/main" xmlns="" val="1"/>
                 </p:ext>
               </p:extLst>
             </p:nvPr>
@@ -9008,10 +9837,10 @@
             <p:cNvPr id="54" name="Freeform: Shape 31">
               <a:extLst>
                 <a:ext uri="{FF2B5EF4-FFF2-40B4-BE49-F238E27FC236}">
-                  <a16:creationId xmlns:a16="http://schemas.microsoft.com/office/drawing/2014/main" id="{4E58012C-4DA3-4ED3-9500-41F9AF60B1A1}"/>
+                  <a16:creationId xmlns:a16="http://schemas.microsoft.com/office/drawing/2014/main" xmlns="" id="{4E58012C-4DA3-4ED3-9500-41F9AF60B1A1}"/>
                 </a:ext>
                 <a:ext uri="{C183D7F6-B498-43B3-948B-1728B52AA6E4}">
-                  <adec:decorative xmlns:adec="http://schemas.microsoft.com/office/drawing/2017/decorative" val="1"/>
+                  <adec:decorative xmlns:adec="http://schemas.microsoft.com/office/drawing/2017/decorative" xmlns="" val="1"/>
                 </a:ext>
               </a:extLst>
             </p:cNvPr>
@@ -9019,7 +9848,7 @@
             <p:nvPr>
               <p:extLst>
                 <p:ext uri="{386F3935-93C4-4BCD-93E2-E3B085C9AB24}">
-                  <p16:designElem xmlns:p16="http://schemas.microsoft.com/office/powerpoint/2015/main" val="1"/>
+                  <p16:designElem xmlns:p16="http://schemas.microsoft.com/office/powerpoint/2015/main" xmlns="" val="1"/>
                 </p:ext>
               </p:extLst>
             </p:nvPr>
@@ -9219,10 +10048,10 @@
             <p:cNvPr id="33" name="Freeform: Shape 32">
               <a:extLst>
                 <a:ext uri="{FF2B5EF4-FFF2-40B4-BE49-F238E27FC236}">
-                  <a16:creationId xmlns:a16="http://schemas.microsoft.com/office/drawing/2014/main" id="{59AC73F7-22BD-4C46-B368-3F03B8478F99}"/>
+                  <a16:creationId xmlns:a16="http://schemas.microsoft.com/office/drawing/2014/main" xmlns="" id="{59AC73F7-22BD-4C46-B368-3F03B8478F99}"/>
                 </a:ext>
                 <a:ext uri="{C183D7F6-B498-43B3-948B-1728B52AA6E4}">
-                  <adec:decorative xmlns:adec="http://schemas.microsoft.com/office/drawing/2017/decorative" val="1"/>
+                  <adec:decorative xmlns:adec="http://schemas.microsoft.com/office/drawing/2017/decorative" xmlns="" val="1"/>
                 </a:ext>
               </a:extLst>
             </p:cNvPr>
@@ -9230,7 +10059,7 @@
             <p:nvPr>
               <p:extLst>
                 <p:ext uri="{386F3935-93C4-4BCD-93E2-E3B085C9AB24}">
-                  <p16:designElem xmlns:p16="http://schemas.microsoft.com/office/powerpoint/2015/main" val="1"/>
+                  <p16:designElem xmlns:p16="http://schemas.microsoft.com/office/powerpoint/2015/main" xmlns="" val="1"/>
                 </p:ext>
               </p:extLst>
             </p:nvPr>
@@ -9430,10 +10259,10 @@
             <p:cNvPr id="34" name="Freeform: Shape 33">
               <a:extLst>
                 <a:ext uri="{FF2B5EF4-FFF2-40B4-BE49-F238E27FC236}">
-                  <a16:creationId xmlns:a16="http://schemas.microsoft.com/office/drawing/2014/main" id="{95C99F96-8984-456F-BD66-5C019A651033}"/>
+                  <a16:creationId xmlns:a16="http://schemas.microsoft.com/office/drawing/2014/main" xmlns="" id="{95C99F96-8984-456F-BD66-5C019A651033}"/>
                 </a:ext>
                 <a:ext uri="{C183D7F6-B498-43B3-948B-1728B52AA6E4}">
-                  <adec:decorative xmlns:adec="http://schemas.microsoft.com/office/drawing/2017/decorative" val="1"/>
+                  <adec:decorative xmlns:adec="http://schemas.microsoft.com/office/drawing/2017/decorative" xmlns="" val="1"/>
                 </a:ext>
               </a:extLst>
             </p:cNvPr>
@@ -9441,7 +10270,7 @@
             <p:nvPr>
               <p:extLst>
                 <p:ext uri="{386F3935-93C4-4BCD-93E2-E3B085C9AB24}">
-                  <p16:designElem xmlns:p16="http://schemas.microsoft.com/office/powerpoint/2015/main" val="1"/>
+                  <p16:designElem xmlns:p16="http://schemas.microsoft.com/office/powerpoint/2015/main" xmlns="" val="1"/>
                 </p:ext>
               </p:extLst>
             </p:nvPr>
@@ -9644,7 +10473,7 @@
           <p:cNvPr id="2" name="Title 1">
             <a:extLst>
               <a:ext uri="{FF2B5EF4-FFF2-40B4-BE49-F238E27FC236}">
-                <a16:creationId xmlns:a16="http://schemas.microsoft.com/office/drawing/2014/main" id="{43502299-57A2-4A87-8849-6CCE8C8AFCE6}"/>
+                <a16:creationId xmlns:a16="http://schemas.microsoft.com/office/drawing/2014/main" xmlns="" id="{43502299-57A2-4A87-8849-6CCE8C8AFCE6}"/>
               </a:ext>
             </a:extLst>
           </p:cNvPr>
@@ -9679,7 +10508,7 @@
           <p:cNvPr id="3" name="Content Placeholder 2">
             <a:extLst>
               <a:ext uri="{FF2B5EF4-FFF2-40B4-BE49-F238E27FC236}">
-                <a16:creationId xmlns:a16="http://schemas.microsoft.com/office/drawing/2014/main" id="{008CD430-9D5E-45AD-B5D4-398FFDAE527A}"/>
+                <a16:creationId xmlns:a16="http://schemas.microsoft.com/office/drawing/2014/main" xmlns="" id="{008CD430-9D5E-45AD-B5D4-398FFDAE527A}"/>
               </a:ext>
             </a:extLst>
           </p:cNvPr>
@@ -9702,6 +10531,78 @@
           </a:bodyPr>
           <a:lstStyle/>
           <a:p>
+            <a:pPr marL="285750" indent="-285750">
+              <a:buFont typeface="Arial" panose="020B0604020202020204" pitchFamily="34" charset="0"/>
+              <a:buChar char="•"/>
+            </a:pPr>
+            <a:r>
+              <a:rPr lang="en-US" dirty="0" smtClean="0"/>
+              <a:t>10/26 - Parse document script, parsed files</a:t>
+            </a:r>
+          </a:p>
+          <a:p>
+            <a:pPr marL="285750" indent="-285750">
+              <a:buFont typeface="Arial" panose="020B0604020202020204" pitchFamily="34" charset="0"/>
+              <a:buChar char="•"/>
+            </a:pPr>
+            <a:r>
+              <a:rPr lang="en-US" dirty="0" smtClean="0"/>
+              <a:t>11/2 - Indexing method/</a:t>
+            </a:r>
+            <a:r>
+              <a:rPr lang="en-US" dirty="0" smtClean="0"/>
+              <a:t>statistical subject tagging</a:t>
+            </a:r>
+          </a:p>
+          <a:p>
+            <a:pPr marL="285750" indent="-285750">
+              <a:buFont typeface="Arial" panose="020B0604020202020204" pitchFamily="34" charset="0"/>
+              <a:buChar char="•"/>
+            </a:pPr>
+            <a:r>
+              <a:rPr lang="en-US" dirty="0" smtClean="0"/>
+              <a:t>11/9 - Query processing/relevancy scoring</a:t>
+            </a:r>
+          </a:p>
+          <a:p>
+            <a:pPr marL="285750" indent="-285750">
+              <a:buFont typeface="Arial" panose="020B0604020202020204" pitchFamily="34" charset="0"/>
+              <a:buChar char="•"/>
+            </a:pPr>
+            <a:r>
+              <a:rPr lang="en-US" dirty="0" smtClean="0"/>
+              <a:t>11/16 - System Evaluation/Tuning</a:t>
+            </a:r>
+          </a:p>
+          <a:p>
+            <a:pPr marL="285750" indent="-285750">
+              <a:buFont typeface="Arial" panose="020B0604020202020204" pitchFamily="34" charset="0"/>
+              <a:buChar char="•"/>
+            </a:pPr>
+            <a:r>
+              <a:rPr lang="en-US" dirty="0" smtClean="0"/>
+              <a:t>11/20 - UI</a:t>
+            </a:r>
+          </a:p>
+          <a:p>
+            <a:pPr marL="285750" indent="-285750">
+              <a:buFont typeface="Arial" panose="020B0604020202020204" pitchFamily="34" charset="0"/>
+              <a:buChar char="•"/>
+            </a:pPr>
+            <a:r>
+              <a:rPr lang="en-US" dirty="0" smtClean="0"/>
+              <a:t>If time: Other tagging methods</a:t>
+            </a:r>
+          </a:p>
+          <a:p>
+            <a:pPr marL="285750" indent="-285750">
+              <a:buFont typeface="Arial" panose="020B0604020202020204" pitchFamily="34" charset="0"/>
+              <a:buChar char="•"/>
+            </a:pPr>
+            <a:r>
+              <a:rPr lang="en-US" dirty="0" smtClean="0"/>
+              <a:t>11/23 – Submit Video Recording</a:t>
+            </a:r>
             <a:endParaRPr lang="en-US" dirty="0"/>
           </a:p>
         </p:txBody>
@@ -9716,6 +10617,13 @@
   <p:clrMapOvr>
     <a:masterClrMapping/>
   </p:clrMapOvr>
+  <p:timing>
+    <p:tnLst>
+      <p:par>
+        <p:cTn id="1" dur="indefinite" restart="never" nodeType="tmRoot"/>
+      </p:par>
+    </p:tnLst>
+  </p:timing>
 </p:sld>
 </file>
 
@@ -9900,4 +10808,265 @@
     </a:ext>
   </a:extLst>
 </a:theme>
+</file>
+
+<file path=ppt/theme/theme2.xml><?xml version="1.0" encoding="utf-8"?>
+<a:theme xmlns:a="http://schemas.openxmlformats.org/drawingml/2006/main" name="Office Theme">
+  <a:themeElements>
+    <a:clrScheme name="Office">
+      <a:dk1>
+        <a:sysClr val="windowText" lastClr="000000"/>
+      </a:dk1>
+      <a:lt1>
+        <a:sysClr val="window" lastClr="FFFFFF"/>
+      </a:lt1>
+      <a:dk2>
+        <a:srgbClr val="44546A"/>
+      </a:dk2>
+      <a:lt2>
+        <a:srgbClr val="E7E6E6"/>
+      </a:lt2>
+      <a:accent1>
+        <a:srgbClr val="5B9BD5"/>
+      </a:accent1>
+      <a:accent2>
+        <a:srgbClr val="ED7D31"/>
+      </a:accent2>
+      <a:accent3>
+        <a:srgbClr val="A5A5A5"/>
+      </a:accent3>
+      <a:accent4>
+        <a:srgbClr val="FFC000"/>
+      </a:accent4>
+      <a:accent5>
+        <a:srgbClr val="4472C4"/>
+      </a:accent5>
+      <a:accent6>
+        <a:srgbClr val="70AD47"/>
+      </a:accent6>
+      <a:hlink>
+        <a:srgbClr val="0563C1"/>
+      </a:hlink>
+      <a:folHlink>
+        <a:srgbClr val="954F72"/>
+      </a:folHlink>
+    </a:clrScheme>
+    <a:fontScheme name="Office">
+      <a:majorFont>
+        <a:latin typeface="Calibri Light" panose="020F0302020204030204"/>
+        <a:ea typeface=""/>
+        <a:cs typeface=""/>
+        <a:font script="Jpan" typeface="ＭＳ Ｐゴシック"/>
+        <a:font script="Hang" typeface="맑은 고딕"/>
+        <a:font script="Hans" typeface="宋体"/>
+        <a:font script="Hant" typeface="新細明體"/>
+        <a:font script="Arab" typeface="Times New Roman"/>
+        <a:font script="Hebr" typeface="Times New Roman"/>
+        <a:font script="Thai" typeface="Angsana New"/>
+        <a:font script="Ethi" typeface="Nyala"/>
+        <a:font script="Beng" typeface="Vrinda"/>
+        <a:font script="Gujr" typeface="Shruti"/>
+        <a:font script="Khmr" typeface="MoolBoran"/>
+        <a:font script="Knda" typeface="Tunga"/>
+        <a:font script="Guru" typeface="Raavi"/>
+        <a:font script="Cans" typeface="Euphemia"/>
+        <a:font script="Cher" typeface="Plantagenet Cherokee"/>
+        <a:font script="Yiii" typeface="Microsoft Yi Baiti"/>
+        <a:font script="Tibt" typeface="Microsoft Himalaya"/>
+        <a:font script="Thaa" typeface="MV Boli"/>
+        <a:font script="Deva" typeface="Mangal"/>
+        <a:font script="Telu" typeface="Gautami"/>
+        <a:font script="Taml" typeface="Latha"/>
+        <a:font script="Syrc" typeface="Estrangelo Edessa"/>
+        <a:font script="Orya" typeface="Kalinga"/>
+        <a:font script="Mlym" typeface="Kartika"/>
+        <a:font script="Laoo" typeface="DokChampa"/>
+        <a:font script="Sinh" typeface="Iskoola Pota"/>
+        <a:font script="Mong" typeface="Mongolian Baiti"/>
+        <a:font script="Viet" typeface="Times New Roman"/>
+        <a:font script="Uigh" typeface="Microsoft Uighur"/>
+        <a:font script="Geor" typeface="Sylfaen"/>
+      </a:majorFont>
+      <a:minorFont>
+        <a:latin typeface="Calibri" panose="020F0502020204030204"/>
+        <a:ea typeface=""/>
+        <a:cs typeface=""/>
+        <a:font script="Jpan" typeface="ＭＳ Ｐゴシック"/>
+        <a:font script="Hang" typeface="맑은 고딕"/>
+        <a:font script="Hans" typeface="宋体"/>
+        <a:font script="Hant" typeface="新細明體"/>
+        <a:font script="Arab" typeface="Arial"/>
+        <a:font script="Hebr" typeface="Arial"/>
+        <a:font script="Thai" typeface="Cordia New"/>
+        <a:font script="Ethi" typeface="Nyala"/>
+        <a:font script="Beng" typeface="Vrinda"/>
+        <a:font script="Gujr" typeface="Shruti"/>
+        <a:font script="Khmr" typeface="DaunPenh"/>
+        <a:font script="Knda" typeface="Tunga"/>
+        <a:font script="Guru" typeface="Raavi"/>
+        <a:font script="Cans" typeface="Euphemia"/>
+        <a:font script="Cher" typeface="Plantagenet Cherokee"/>
+        <a:font script="Yiii" typeface="Microsoft Yi Baiti"/>
+        <a:font script="Tibt" typeface="Microsoft Himalaya"/>
+        <a:font script="Thaa" typeface="MV Boli"/>
+        <a:font script="Deva" typeface="Mangal"/>
+        <a:font script="Telu" typeface="Gautami"/>
+        <a:font script="Taml" typeface="Latha"/>
+        <a:font script="Syrc" typeface="Estrangelo Edessa"/>
+        <a:font script="Orya" typeface="Kalinga"/>
+        <a:font script="Mlym" typeface="Kartika"/>
+        <a:font script="Laoo" typeface="DokChampa"/>
+        <a:font script="Sinh" typeface="Iskoola Pota"/>
+        <a:font script="Mong" typeface="Mongolian Baiti"/>
+        <a:font script="Viet" typeface="Arial"/>
+        <a:font script="Uigh" typeface="Microsoft Uighur"/>
+        <a:font script="Geor" typeface="Sylfaen"/>
+      </a:minorFont>
+    </a:fontScheme>
+    <a:fmtScheme name="Office">
+      <a:fillStyleLst>
+        <a:solidFill>
+          <a:schemeClr val="phClr"/>
+        </a:solidFill>
+        <a:gradFill rotWithShape="1">
+          <a:gsLst>
+            <a:gs pos="0">
+              <a:schemeClr val="phClr">
+                <a:lumMod val="110000"/>
+                <a:satMod val="105000"/>
+                <a:tint val="67000"/>
+              </a:schemeClr>
+            </a:gs>
+            <a:gs pos="50000">
+              <a:schemeClr val="phClr">
+                <a:lumMod val="105000"/>
+                <a:satMod val="103000"/>
+                <a:tint val="73000"/>
+              </a:schemeClr>
+            </a:gs>
+            <a:gs pos="100000">
+              <a:schemeClr val="phClr">
+                <a:lumMod val="105000"/>
+                <a:satMod val="109000"/>
+                <a:tint val="81000"/>
+              </a:schemeClr>
+            </a:gs>
+          </a:gsLst>
+          <a:lin ang="5400000" scaled="0"/>
+        </a:gradFill>
+        <a:gradFill rotWithShape="1">
+          <a:gsLst>
+            <a:gs pos="0">
+              <a:schemeClr val="phClr">
+                <a:satMod val="103000"/>
+                <a:lumMod val="102000"/>
+                <a:tint val="94000"/>
+              </a:schemeClr>
+            </a:gs>
+            <a:gs pos="50000">
+              <a:schemeClr val="phClr">
+                <a:satMod val="110000"/>
+                <a:lumMod val="100000"/>
+                <a:shade val="100000"/>
+              </a:schemeClr>
+            </a:gs>
+            <a:gs pos="100000">
+              <a:schemeClr val="phClr">
+                <a:lumMod val="99000"/>
+                <a:satMod val="120000"/>
+                <a:shade val="78000"/>
+              </a:schemeClr>
+            </a:gs>
+          </a:gsLst>
+          <a:lin ang="5400000" scaled="0"/>
+        </a:gradFill>
+      </a:fillStyleLst>
+      <a:lnStyleLst>
+        <a:ln w="6350" cap="flat" cmpd="sng" algn="ctr">
+          <a:solidFill>
+            <a:schemeClr val="phClr"/>
+          </a:solidFill>
+          <a:prstDash val="solid"/>
+          <a:miter lim="800000"/>
+        </a:ln>
+        <a:ln w="12700" cap="flat" cmpd="sng" algn="ctr">
+          <a:solidFill>
+            <a:schemeClr val="phClr"/>
+          </a:solidFill>
+          <a:prstDash val="solid"/>
+          <a:miter lim="800000"/>
+        </a:ln>
+        <a:ln w="19050" cap="flat" cmpd="sng" algn="ctr">
+          <a:solidFill>
+            <a:schemeClr val="phClr"/>
+          </a:solidFill>
+          <a:prstDash val="solid"/>
+          <a:miter lim="800000"/>
+        </a:ln>
+      </a:lnStyleLst>
+      <a:effectStyleLst>
+        <a:effectStyle>
+          <a:effectLst/>
+        </a:effectStyle>
+        <a:effectStyle>
+          <a:effectLst/>
+        </a:effectStyle>
+        <a:effectStyle>
+          <a:effectLst>
+            <a:outerShdw blurRad="57150" dist="19050" dir="5400000" algn="ctr" rotWithShape="0">
+              <a:srgbClr val="000000">
+                <a:alpha val="63000"/>
+              </a:srgbClr>
+            </a:outerShdw>
+          </a:effectLst>
+        </a:effectStyle>
+      </a:effectStyleLst>
+      <a:bgFillStyleLst>
+        <a:solidFill>
+          <a:schemeClr val="phClr"/>
+        </a:solidFill>
+        <a:solidFill>
+          <a:schemeClr val="phClr">
+            <a:tint val="95000"/>
+            <a:satMod val="170000"/>
+          </a:schemeClr>
+        </a:solidFill>
+        <a:gradFill rotWithShape="1">
+          <a:gsLst>
+            <a:gs pos="0">
+              <a:schemeClr val="phClr">
+                <a:tint val="93000"/>
+                <a:satMod val="150000"/>
+                <a:shade val="98000"/>
+                <a:lumMod val="102000"/>
+              </a:schemeClr>
+            </a:gs>
+            <a:gs pos="50000">
+              <a:schemeClr val="phClr">
+                <a:tint val="98000"/>
+                <a:satMod val="130000"/>
+                <a:shade val="90000"/>
+                <a:lumMod val="103000"/>
+              </a:schemeClr>
+            </a:gs>
+            <a:gs pos="100000">
+              <a:schemeClr val="phClr">
+                <a:shade val="63000"/>
+                <a:satMod val="120000"/>
+              </a:schemeClr>
+            </a:gs>
+          </a:gsLst>
+          <a:lin ang="5400000" scaled="0"/>
+        </a:gradFill>
+      </a:bgFillStyleLst>
+    </a:fmtScheme>
+  </a:themeElements>
+  <a:objectDefaults/>
+  <a:extraClrSchemeLst/>
+  <a:extLst>
+    <a:ext uri="{05A4C25C-085E-4340-85A3-A5531E510DB2}">
+      <thm15:themeFamily xmlns:thm15="http://schemas.microsoft.com/office/thememl/2012/main" name="Office Theme" id="{62F939B6-93AF-4DB8-9C6B-D6C7DFDC589F}" vid="{4A3C46E8-61CC-4603-A589-7422A47A8E4A}"/>
+    </a:ext>
+  </a:extLst>
+</a:theme>
 </file>